--- a/slides/Unit5_First C Program.pptx
+++ b/slides/Unit5_First C Program.pptx
@@ -181,20 +181,12 @@
 </p:presentation>
 </file>
 
-<file path=ppt/revisionInfo.xml><?xml version="1.0" encoding="utf-8"?>
-<p1510:revInfo xmlns:a="http://schemas.openxmlformats.org/drawingml/2006/main" xmlns:r="http://schemas.openxmlformats.org/officeDocument/2006/relationships" xmlns:p1510="http://schemas.microsoft.com/office/powerpoint/2015/10/main">
-  <p1510:revLst>
-    <p1510:client id="{3342749F-A4A3-4CC6-8E89-A279285BF1FF}" v="729" dt="2021-01-21T14:37:48.139"/>
-  </p1510:revLst>
-</p1510:revInfo>
-</file>
-
 <file path=ppt/changesInfos/changesInfo1.xml><?xml version="1.0" encoding="utf-8"?>
 <pc:chgInfo xmlns:a="http://schemas.openxmlformats.org/drawingml/2006/main" xmlns:r="http://schemas.openxmlformats.org/officeDocument/2006/relationships" xmlns:ac="http://schemas.microsoft.com/office/drawing/2013/main/command" xmlns:pc="http://schemas.microsoft.com/office/powerpoint/2013/main/command">
   <pc:docChgLst>
     <pc:chgData name="Zhao Jin" userId="cd05a825-544c-438a-9ba1-08e63db50b47" providerId="ADAL" clId="{3342749F-A4A3-4CC6-8E89-A279285BF1FF}"/>
     <pc:docChg chg="undo custSel addSld delSld modSld sldOrd">
-      <pc:chgData name="Zhao Jin" userId="cd05a825-544c-438a-9ba1-08e63db50b47" providerId="ADAL" clId="{3342749F-A4A3-4CC6-8E89-A279285BF1FF}" dt="2021-01-21T14:37:58.440" v="5166" actId="1076"/>
+      <pc:chgData name="Zhao Jin" userId="cd05a825-544c-438a-9ba1-08e63db50b47" providerId="ADAL" clId="{3342749F-A4A3-4CC6-8E89-A279285BF1FF}" dt="2021-01-25T05:04:08.003" v="5348" actId="20577"/>
       <pc:docMkLst>
         <pc:docMk/>
       </pc:docMkLst>
@@ -594,7 +586,7 @@
         </pc:sldMkLst>
       </pc:sldChg>
       <pc:sldChg chg="addSp delSp modSp mod addAnim delAnim modAnim">
-        <pc:chgData name="Zhao Jin" userId="cd05a825-544c-438a-9ba1-08e63db50b47" providerId="ADAL" clId="{3342749F-A4A3-4CC6-8E89-A279285BF1FF}" dt="2021-01-21T12:27:02.917" v="2561" actId="478"/>
+        <pc:chgData name="Zhao Jin" userId="cd05a825-544c-438a-9ba1-08e63db50b47" providerId="ADAL" clId="{3342749F-A4A3-4CC6-8E89-A279285BF1FF}" dt="2021-01-25T05:04:08.003" v="5348" actId="20577"/>
         <pc:sldMkLst>
           <pc:docMk/>
           <pc:sldMk cId="901453530" sldId="546"/>
@@ -608,7 +600,7 @@
           </ac:spMkLst>
         </pc:spChg>
         <pc:spChg chg="mod">
-          <ac:chgData name="Zhao Jin" userId="cd05a825-544c-438a-9ba1-08e63db50b47" providerId="ADAL" clId="{3342749F-A4A3-4CC6-8E89-A279285BF1FF}" dt="2021-01-21T11:17:47.962" v="465" actId="5793"/>
+          <ac:chgData name="Zhao Jin" userId="cd05a825-544c-438a-9ba1-08e63db50b47" providerId="ADAL" clId="{3342749F-A4A3-4CC6-8E89-A279285BF1FF}" dt="2021-01-25T05:04:08.003" v="5348" actId="20577"/>
           <ac:spMkLst>
             <pc:docMk/>
             <pc:sldMk cId="901453530" sldId="546"/>
@@ -616,7 +608,7 @@
           </ac:spMkLst>
         </pc:spChg>
         <pc:spChg chg="mod">
-          <ac:chgData name="Zhao Jin" userId="cd05a825-544c-438a-9ba1-08e63db50b47" providerId="ADAL" clId="{3342749F-A4A3-4CC6-8E89-A279285BF1FF}" dt="2021-01-21T11:24:18.234" v="552" actId="20577"/>
+          <ac:chgData name="Zhao Jin" userId="cd05a825-544c-438a-9ba1-08e63db50b47" providerId="ADAL" clId="{3342749F-A4A3-4CC6-8E89-A279285BF1FF}" dt="2021-01-25T05:03:45.999" v="5317" actId="20577"/>
           <ac:spMkLst>
             <pc:docMk/>
             <pc:sldMk cId="901453530" sldId="546"/>
@@ -680,7 +672,7 @@
           </ac:spMkLst>
         </pc:spChg>
         <pc:spChg chg="add mod">
-          <ac:chgData name="Zhao Jin" userId="cd05a825-544c-438a-9ba1-08e63db50b47" providerId="ADAL" clId="{3342749F-A4A3-4CC6-8E89-A279285BF1FF}" dt="2021-01-21T11:24:24.932" v="582" actId="1035"/>
+          <ac:chgData name="Zhao Jin" userId="cd05a825-544c-438a-9ba1-08e63db50b47" providerId="ADAL" clId="{3342749F-A4A3-4CC6-8E89-A279285BF1FF}" dt="2021-01-25T05:02:54.364" v="5183" actId="1038"/>
           <ac:spMkLst>
             <pc:docMk/>
             <pc:sldMk cId="901453530" sldId="546"/>
@@ -1225,6 +1217,240 @@
       </pc:sldChg>
     </pc:docChg>
   </pc:docChgLst>
+  <pc:docChgLst>
+    <pc:chgData name="Zhao Jin" userId="cd05a825-544c-438a-9ba1-08e63db50b47" providerId="ADAL" clId="{CD38D953-E846-244A-835A-192CE52710D4}"/>
+    <pc:docChg chg="undo custSel addSld delSld modSld">
+      <pc:chgData name="Zhao Jin" userId="cd05a825-544c-438a-9ba1-08e63db50b47" providerId="ADAL" clId="{CD38D953-E846-244A-835A-192CE52710D4}" dt="2021-01-25T03:26:17.801" v="482" actId="20577"/>
+      <pc:docMkLst>
+        <pc:docMk/>
+      </pc:docMkLst>
+      <pc:sldChg chg="modSp addAnim delAnim modAnim">
+        <pc:chgData name="Zhao Jin" userId="cd05a825-544c-438a-9ba1-08e63db50b47" providerId="ADAL" clId="{CD38D953-E846-244A-835A-192CE52710D4}" dt="2021-01-25T03:18:14.928" v="172"/>
+        <pc:sldMkLst>
+          <pc:docMk/>
+          <pc:sldMk cId="1311126165" sldId="485"/>
+        </pc:sldMkLst>
+        <pc:spChg chg="mod">
+          <ac:chgData name="Zhao Jin" userId="cd05a825-544c-438a-9ba1-08e63db50b47" providerId="ADAL" clId="{CD38D953-E846-244A-835A-192CE52710D4}" dt="2021-01-25T03:16:30.240" v="159" actId="20577"/>
+          <ac:spMkLst>
+            <pc:docMk/>
+            <pc:sldMk cId="1311126165" sldId="485"/>
+            <ac:spMk id="11" creationId="{00000000-0000-0000-0000-000000000000}"/>
+          </ac:spMkLst>
+        </pc:spChg>
+        <pc:spChg chg="mod">
+          <ac:chgData name="Zhao Jin" userId="cd05a825-544c-438a-9ba1-08e63db50b47" providerId="ADAL" clId="{CD38D953-E846-244A-835A-192CE52710D4}" dt="2021-01-25T03:16:24.406" v="157" actId="1036"/>
+          <ac:spMkLst>
+            <pc:docMk/>
+            <pc:sldMk cId="1311126165" sldId="485"/>
+            <ac:spMk id="12" creationId="{149FB3A4-124F-4FB3-9CA1-6EA45A21DCBC}"/>
+          </ac:spMkLst>
+        </pc:spChg>
+        <pc:spChg chg="mod">
+          <ac:chgData name="Zhao Jin" userId="cd05a825-544c-438a-9ba1-08e63db50b47" providerId="ADAL" clId="{CD38D953-E846-244A-835A-192CE52710D4}" dt="2021-01-25T03:16:24.406" v="157" actId="1036"/>
+          <ac:spMkLst>
+            <pc:docMk/>
+            <pc:sldMk cId="1311126165" sldId="485"/>
+            <ac:spMk id="13" creationId="{24ED3F77-DB19-42FF-90A5-6260114FAC12}"/>
+          </ac:spMkLst>
+        </pc:spChg>
+      </pc:sldChg>
+      <pc:sldChg chg="modSp">
+        <pc:chgData name="Zhao Jin" userId="cd05a825-544c-438a-9ba1-08e63db50b47" providerId="ADAL" clId="{CD38D953-E846-244A-835A-192CE52710D4}" dt="2021-01-25T03:08:51.440" v="84" actId="20577"/>
+        <pc:sldMkLst>
+          <pc:docMk/>
+          <pc:sldMk cId="901453530" sldId="546"/>
+        </pc:sldMkLst>
+        <pc:spChg chg="mod">
+          <ac:chgData name="Zhao Jin" userId="cd05a825-544c-438a-9ba1-08e63db50b47" providerId="ADAL" clId="{CD38D953-E846-244A-835A-192CE52710D4}" dt="2021-01-25T03:08:51.440" v="84" actId="20577"/>
+          <ac:spMkLst>
+            <pc:docMk/>
+            <pc:sldMk cId="901453530" sldId="546"/>
+            <ac:spMk id="8" creationId="{00000000-0000-0000-0000-000000000000}"/>
+          </ac:spMkLst>
+        </pc:spChg>
+      </pc:sldChg>
+      <pc:sldChg chg="modSp">
+        <pc:chgData name="Zhao Jin" userId="cd05a825-544c-438a-9ba1-08e63db50b47" providerId="ADAL" clId="{CD38D953-E846-244A-835A-192CE52710D4}" dt="2021-01-25T03:11:48.514" v="112" actId="207"/>
+        <pc:sldMkLst>
+          <pc:docMk/>
+          <pc:sldMk cId="884841463" sldId="547"/>
+        </pc:sldMkLst>
+        <pc:spChg chg="mod">
+          <ac:chgData name="Zhao Jin" userId="cd05a825-544c-438a-9ba1-08e63db50b47" providerId="ADAL" clId="{CD38D953-E846-244A-835A-192CE52710D4}" dt="2021-01-25T03:11:48.514" v="112" actId="207"/>
+          <ac:spMkLst>
+            <pc:docMk/>
+            <pc:sldMk cId="884841463" sldId="547"/>
+            <ac:spMk id="8" creationId="{00000000-0000-0000-0000-000000000000}"/>
+          </ac:spMkLst>
+        </pc:spChg>
+      </pc:sldChg>
+      <pc:sldChg chg="modSp">
+        <pc:chgData name="Zhao Jin" userId="cd05a825-544c-438a-9ba1-08e63db50b47" providerId="ADAL" clId="{CD38D953-E846-244A-835A-192CE52710D4}" dt="2021-01-25T03:10:55.270" v="107" actId="20577"/>
+        <pc:sldMkLst>
+          <pc:docMk/>
+          <pc:sldMk cId="1617257579" sldId="548"/>
+        </pc:sldMkLst>
+        <pc:spChg chg="mod">
+          <ac:chgData name="Zhao Jin" userId="cd05a825-544c-438a-9ba1-08e63db50b47" providerId="ADAL" clId="{CD38D953-E846-244A-835A-192CE52710D4}" dt="2021-01-25T03:10:55.270" v="107" actId="20577"/>
+          <ac:spMkLst>
+            <pc:docMk/>
+            <pc:sldMk cId="1617257579" sldId="548"/>
+            <ac:spMk id="8" creationId="{00000000-0000-0000-0000-000000000000}"/>
+          </ac:spMkLst>
+        </pc:spChg>
+        <pc:spChg chg="mod">
+          <ac:chgData name="Zhao Jin" userId="cd05a825-544c-438a-9ba1-08e63db50b47" providerId="ADAL" clId="{CD38D953-E846-244A-835A-192CE52710D4}" dt="2021-01-25T03:09:46.206" v="102" actId="1035"/>
+          <ac:spMkLst>
+            <pc:docMk/>
+            <pc:sldMk cId="1617257579" sldId="548"/>
+            <ac:spMk id="9" creationId="{00000000-0000-0000-0000-000000000000}"/>
+          </ac:spMkLst>
+        </pc:spChg>
+      </pc:sldChg>
+      <pc:sldChg chg="addSp delSp modSp delAnim modAnim">
+        <pc:chgData name="Zhao Jin" userId="cd05a825-544c-438a-9ba1-08e63db50b47" providerId="ADAL" clId="{CD38D953-E846-244A-835A-192CE52710D4}" dt="2021-01-25T03:24:05.008" v="382"/>
+        <pc:sldMkLst>
+          <pc:docMk/>
+          <pc:sldMk cId="3394924879" sldId="549"/>
+        </pc:sldMkLst>
+        <pc:spChg chg="mod">
+          <ac:chgData name="Zhao Jin" userId="cd05a825-544c-438a-9ba1-08e63db50b47" providerId="ADAL" clId="{CD38D953-E846-244A-835A-192CE52710D4}" dt="2021-01-25T02:21:10.043" v="62" actId="20577"/>
+          <ac:spMkLst>
+            <pc:docMk/>
+            <pc:sldMk cId="3394924879" sldId="549"/>
+            <ac:spMk id="10" creationId="{00000000-0000-0000-0000-000000000000}"/>
+          </ac:spMkLst>
+        </pc:spChg>
+        <pc:spChg chg="add mod">
+          <ac:chgData name="Zhao Jin" userId="cd05a825-544c-438a-9ba1-08e63db50b47" providerId="ADAL" clId="{CD38D953-E846-244A-835A-192CE52710D4}" dt="2021-01-25T03:23:28.207" v="376" actId="1076"/>
+          <ac:spMkLst>
+            <pc:docMk/>
+            <pc:sldMk cId="3394924879" sldId="549"/>
+            <ac:spMk id="11" creationId="{CF30CDDD-4206-994C-A14B-ADCEC7C6B094}"/>
+          </ac:spMkLst>
+        </pc:spChg>
+        <pc:picChg chg="del">
+          <ac:chgData name="Zhao Jin" userId="cd05a825-544c-438a-9ba1-08e63db50b47" providerId="ADAL" clId="{CD38D953-E846-244A-835A-192CE52710D4}" dt="2021-01-25T03:15:27.398" v="115" actId="478"/>
+          <ac:picMkLst>
+            <pc:docMk/>
+            <pc:sldMk cId="3394924879" sldId="549"/>
+            <ac:picMk id="14" creationId="{9F0342D1-68B4-4418-BA3C-115BA014738F}"/>
+          </ac:picMkLst>
+        </pc:picChg>
+        <pc:picChg chg="add mod">
+          <ac:chgData name="Zhao Jin" userId="cd05a825-544c-438a-9ba1-08e63db50b47" providerId="ADAL" clId="{CD38D953-E846-244A-835A-192CE52710D4}" dt="2021-01-25T03:23:34.931" v="378" actId="1076"/>
+          <ac:picMkLst>
+            <pc:docMk/>
+            <pc:sldMk cId="3394924879" sldId="549"/>
+            <ac:picMk id="16" creationId="{1AA83BD7-4016-DB49-B6DC-C69FB6894961}"/>
+          </ac:picMkLst>
+        </pc:picChg>
+      </pc:sldChg>
+      <pc:sldChg chg="addSp delSp modSp addAnim delAnim modAnim">
+        <pc:chgData name="Zhao Jin" userId="cd05a825-544c-438a-9ba1-08e63db50b47" providerId="ADAL" clId="{CD38D953-E846-244A-835A-192CE52710D4}" dt="2021-01-25T03:26:17.801" v="482" actId="20577"/>
+        <pc:sldMkLst>
+          <pc:docMk/>
+          <pc:sldMk cId="784668950" sldId="550"/>
+        </pc:sldMkLst>
+        <pc:spChg chg="add del">
+          <ac:chgData name="Zhao Jin" userId="cd05a825-544c-438a-9ba1-08e63db50b47" providerId="ADAL" clId="{CD38D953-E846-244A-835A-192CE52710D4}" dt="2021-01-25T03:03:03.116" v="66" actId="478"/>
+          <ac:spMkLst>
+            <pc:docMk/>
+            <pc:sldMk cId="784668950" sldId="550"/>
+            <ac:spMk id="8" creationId="{9BA3CD25-E0A6-43C6-ACBF-2582BD134206}"/>
+          </ac:spMkLst>
+        </pc:spChg>
+        <pc:spChg chg="add del">
+          <ac:chgData name="Zhao Jin" userId="cd05a825-544c-438a-9ba1-08e63db50b47" providerId="ADAL" clId="{CD38D953-E846-244A-835A-192CE52710D4}" dt="2021-01-25T03:03:02.420" v="65"/>
+          <ac:spMkLst>
+            <pc:docMk/>
+            <pc:sldMk cId="784668950" sldId="550"/>
+            <ac:spMk id="9" creationId="{512F67EF-C498-8D43-817A-42B6CE524F76}"/>
+          </ac:spMkLst>
+        </pc:spChg>
+        <pc:spChg chg="add del mod">
+          <ac:chgData name="Zhao Jin" userId="cd05a825-544c-438a-9ba1-08e63db50b47" providerId="ADAL" clId="{CD38D953-E846-244A-835A-192CE52710D4}" dt="2021-01-25T03:26:17.801" v="482" actId="20577"/>
+          <ac:spMkLst>
+            <pc:docMk/>
+            <pc:sldMk cId="784668950" sldId="550"/>
+            <ac:spMk id="10" creationId="{00000000-0000-0000-0000-000000000000}"/>
+          </ac:spMkLst>
+        </pc:spChg>
+      </pc:sldChg>
+      <pc:sldChg chg="addSp delSp modSp add del addAnim delAnim">
+        <pc:chgData name="Zhao Jin" userId="cd05a825-544c-438a-9ba1-08e63db50b47" providerId="ADAL" clId="{CD38D953-E846-244A-835A-192CE52710D4}" dt="2021-01-25T03:08:44.385" v="80" actId="2696"/>
+        <pc:sldMkLst>
+          <pc:docMk/>
+          <pc:sldMk cId="335305844" sldId="551"/>
+        </pc:sldMkLst>
+        <pc:spChg chg="add del">
+          <ac:chgData name="Zhao Jin" userId="cd05a825-544c-438a-9ba1-08e63db50b47" providerId="ADAL" clId="{CD38D953-E846-244A-835A-192CE52710D4}" dt="2021-01-25T03:08:18.867" v="70"/>
+          <ac:spMkLst>
+            <pc:docMk/>
+            <pc:sldMk cId="335305844" sldId="551"/>
+            <ac:spMk id="2" creationId="{DC3EBD9F-7043-2B4B-93E2-27FFDA9DBEA2}"/>
+          </ac:spMkLst>
+        </pc:spChg>
+        <pc:spChg chg="add del mod">
+          <ac:chgData name="Zhao Jin" userId="cd05a825-544c-438a-9ba1-08e63db50b47" providerId="ADAL" clId="{CD38D953-E846-244A-835A-192CE52710D4}" dt="2021-01-25T03:08:32.511" v="77" actId="14100"/>
+          <ac:spMkLst>
+            <pc:docMk/>
+            <pc:sldMk cId="335305844" sldId="551"/>
+            <ac:spMk id="9" creationId="{00000000-0000-0000-0000-000000000000}"/>
+          </ac:spMkLst>
+        </pc:spChg>
+        <pc:spChg chg="add del">
+          <ac:chgData name="Zhao Jin" userId="cd05a825-544c-438a-9ba1-08e63db50b47" providerId="ADAL" clId="{CD38D953-E846-244A-835A-192CE52710D4}" dt="2021-01-25T03:08:34.550" v="78" actId="478"/>
+          <ac:spMkLst>
+            <pc:docMk/>
+            <pc:sldMk cId="335305844" sldId="551"/>
+            <ac:spMk id="10" creationId="{00000000-0000-0000-0000-000000000000}"/>
+          </ac:spMkLst>
+        </pc:spChg>
+        <pc:spChg chg="add del">
+          <ac:chgData name="Zhao Jin" userId="cd05a825-544c-438a-9ba1-08e63db50b47" providerId="ADAL" clId="{CD38D953-E846-244A-835A-192CE52710D4}" dt="2021-01-25T03:08:34.550" v="78" actId="478"/>
+          <ac:spMkLst>
+            <pc:docMk/>
+            <pc:sldMk cId="335305844" sldId="551"/>
+            <ac:spMk id="11" creationId="{D0457CA0-460D-4546-82C4-4CDEB1E2F62C}"/>
+          </ac:spMkLst>
+        </pc:spChg>
+        <pc:spChg chg="add del">
+          <ac:chgData name="Zhao Jin" userId="cd05a825-544c-438a-9ba1-08e63db50b47" providerId="ADAL" clId="{CD38D953-E846-244A-835A-192CE52710D4}" dt="2021-01-25T03:08:34.550" v="78" actId="478"/>
+          <ac:spMkLst>
+            <pc:docMk/>
+            <pc:sldMk cId="335305844" sldId="551"/>
+            <ac:spMk id="14" creationId="{00000000-0000-0000-0000-000000000000}"/>
+          </ac:spMkLst>
+        </pc:spChg>
+        <pc:spChg chg="add del">
+          <ac:chgData name="Zhao Jin" userId="cd05a825-544c-438a-9ba1-08e63db50b47" providerId="ADAL" clId="{CD38D953-E846-244A-835A-192CE52710D4}" dt="2021-01-25T03:08:34.550" v="78" actId="478"/>
+          <ac:spMkLst>
+            <pc:docMk/>
+            <pc:sldMk cId="335305844" sldId="551"/>
+            <ac:spMk id="15" creationId="{7EB43FB0-D261-4751-8823-0A4CC64F83DB}"/>
+          </ac:spMkLst>
+        </pc:spChg>
+        <pc:spChg chg="add del mod">
+          <ac:chgData name="Zhao Jin" userId="cd05a825-544c-438a-9ba1-08e63db50b47" providerId="ADAL" clId="{CD38D953-E846-244A-835A-192CE52710D4}" dt="2021-01-25T03:08:37.712" v="79" actId="20577"/>
+          <ac:spMkLst>
+            <pc:docMk/>
+            <pc:sldMk cId="335305844" sldId="551"/>
+            <ac:spMk id="17" creationId="{196941FF-7411-441D-AE2E-5CF96E80B024}"/>
+          </ac:spMkLst>
+        </pc:spChg>
+        <pc:spChg chg="add del">
+          <ac:chgData name="Zhao Jin" userId="cd05a825-544c-438a-9ba1-08e63db50b47" providerId="ADAL" clId="{CD38D953-E846-244A-835A-192CE52710D4}" dt="2021-01-25T03:08:22.144" v="71" actId="478"/>
+          <ac:spMkLst>
+            <pc:docMk/>
+            <pc:sldMk cId="335305844" sldId="551"/>
+            <ac:spMk id="18" creationId="{FC6CF3F5-B435-44FE-A32E-F676476A0C6D}"/>
+          </ac:spMkLst>
+        </pc:spChg>
+      </pc:sldChg>
+    </pc:docChg>
+  </pc:docChgLst>
 </pc:chgInfo>
 </file>
 
@@ -1702,7 +1928,7 @@
               <a:pPr>
                 <a:defRPr/>
               </a:pPr>
-              <a:t>1/21/2021</a:t>
+              <a:t>1/25/2021</a:t>
             </a:fld>
             <a:endParaRPr lang="en-US" dirty="0"/>
           </a:p>
@@ -7112,6 +7338,27 @@
             </a:r>
           </a:p>
           <a:p>
+            <a:pPr marL="896303" lvl="2" indent="-347663">
+              <a:spcBef>
+                <a:spcPts val="600"/>
+              </a:spcBef>
+              <a:buClr>
+                <a:schemeClr val="tx1">
+                  <a:lumMod val="90000"/>
+                  <a:lumOff val="10000"/>
+                </a:schemeClr>
+              </a:buClr>
+              <a:buSzPct val="100000"/>
+              <a:buFont typeface="Wingdings" panose="05000000000000000000" pitchFamily="2" charset="2"/>
+              <a:buChar char="§"/>
+              <a:defRPr/>
+            </a:pPr>
+            <a:r>
+              <a:rPr lang="en-US" dirty="0"/>
+              <a:t>Return type: any of the data types or void (no return value) </a:t>
+            </a:r>
+          </a:p>
+          <a:p>
             <a:pPr marL="621983" lvl="1" indent="-347663">
               <a:spcBef>
                 <a:spcPts val="600"/>
@@ -7127,24 +7374,6 @@
               <a:buChar char="§"/>
               <a:defRPr/>
             </a:pPr>
-            <a:endParaRPr lang="en-US" dirty="0"/>
-          </a:p>
-          <a:p>
-            <a:pPr marL="621983" lvl="1" indent="-347663">
-              <a:spcBef>
-                <a:spcPts val="600"/>
-              </a:spcBef>
-              <a:buClr>
-                <a:schemeClr val="tx1">
-                  <a:lumMod val="90000"/>
-                  <a:lumOff val="10000"/>
-                </a:schemeClr>
-              </a:buClr>
-              <a:buSzPct val="100000"/>
-              <a:buFont typeface="Wingdings" panose="05000000000000000000" pitchFamily="2" charset="2"/>
-              <a:buChar char="§"/>
-              <a:defRPr/>
-            </a:pPr>
             <a:r>
               <a:rPr lang="en-US" dirty="0">
                 <a:highlight>
@@ -7167,7 +7396,15 @@
             </a:r>
             <a:r>
               <a:rPr lang="en-US" dirty="0"/>
-              <a:t> statement a value should be returned; uses indentation for clarity.</a:t>
+              <a:t> statement a value should be returned </a:t>
+            </a:r>
+            <a:r>
+              <a:rPr lang="en-US"/>
+              <a:t>(if any); </a:t>
+            </a:r>
+            <a:r>
+              <a:rPr lang="en-US" dirty="0"/>
+              <a:t>uses indentation for clarity.</a:t>
             </a:r>
           </a:p>
         </p:txBody>
@@ -7235,7 +7472,7 @@
                 <a:latin typeface="Courier New"/>
                 <a:cs typeface="Courier New"/>
               </a:rPr>
-              <a:t>int </a:t>
+              <a:t>long </a:t>
             </a:r>
             <a:r>
               <a:rPr lang="en-US" b="1" dirty="0">
@@ -7271,7 +7508,7 @@
                 <a:latin typeface="Courier New"/>
                 <a:cs typeface="Courier New"/>
               </a:rPr>
-              <a:t>int </a:t>
+              <a:t>long </a:t>
             </a:r>
             <a:r>
               <a:rPr lang="en-US" b="1" dirty="0">
@@ -7464,7 +7701,7 @@
         </p:nvSpPr>
         <p:spPr bwMode="auto">
           <a:xfrm>
-            <a:off x="5813967" y="4317695"/>
+            <a:off x="6053007" y="4317655"/>
             <a:ext cx="1963554" cy="353430"/>
           </a:xfrm>
           <a:prstGeom prst="borderCallout2">
@@ -7840,7 +8077,7 @@
         </p:nvSpPr>
         <p:spPr bwMode="auto">
           <a:xfrm>
-            <a:off x="4896287" y="6260572"/>
+            <a:off x="5271672" y="6260572"/>
             <a:ext cx="1976151" cy="430306"/>
           </a:xfrm>
           <a:prstGeom prst="borderCallout2">
@@ -8644,7 +8881,31 @@
             </a:pPr>
             <a:r>
               <a:rPr lang="en-US" dirty="0"/>
-              <a:t>Consists of a variable and an expression; stores the value of the expression into the variable</a:t>
+              <a:t>Consists of </a:t>
+            </a:r>
+            <a:r>
+              <a:rPr lang="en-US" dirty="0">
+                <a:solidFill>
+                  <a:srgbClr val="C00000"/>
+                </a:solidFill>
+              </a:rPr>
+              <a:t>a variable</a:t>
+            </a:r>
+            <a:r>
+              <a:rPr lang="en-US" dirty="0"/>
+              <a:t> and </a:t>
+            </a:r>
+            <a:r>
+              <a:rPr lang="en-US" dirty="0">
+                <a:solidFill>
+                  <a:srgbClr val="C00000"/>
+                </a:solidFill>
+              </a:rPr>
+              <a:t>an expression</a:t>
+            </a:r>
+            <a:r>
+              <a:rPr lang="en-US" dirty="0"/>
+              <a:t>; stores the value of the expression into the variable</a:t>
             </a:r>
           </a:p>
           <a:p>
@@ -9496,7 +9757,7 @@
             </a:pPr>
             <a:r>
               <a:rPr lang="en-US" dirty="0"/>
-              <a:t>Consists a </a:t>
+              <a:t>Consists of a </a:t>
             </a:r>
             <a:r>
               <a:rPr lang="en-US" dirty="0">
@@ -9525,7 +9786,7 @@
             </a:pPr>
             <a:r>
               <a:rPr lang="en-US" dirty="0"/>
-              <a:t>The starting point of a program </a:t>
+              <a:t>The starting point of a program</a:t>
             </a:r>
           </a:p>
           <a:p>
@@ -9630,7 +9891,7 @@
         </p:nvSpPr>
         <p:spPr>
           <a:xfrm>
-            <a:off x="702051" y="2509652"/>
+            <a:off x="702051" y="2836223"/>
             <a:ext cx="6515177" cy="3139321"/>
           </a:xfrm>
           <a:prstGeom prst="rect">
@@ -9683,7 +9944,7 @@
                 <a:latin typeface="Courier New" panose="02070309020205020404" pitchFamily="49" charset="0"/>
                 <a:cs typeface="Courier New" panose="02070309020205020404" pitchFamily="49" charset="0"/>
               </a:rPr>
-              <a:t>int</a:t>
+              <a:t>long</a:t>
             </a:r>
             <a:r>
               <a:rPr lang="en-US" b="1" i="0" dirty="0">
@@ -9716,15 +9977,14 @@
               <a:t>(</a:t>
             </a:r>
             <a:r>
-              <a:rPr lang="en-US" b="1" i="0" dirty="0">
+              <a:rPr lang="en-US" b="1" dirty="0">
                 <a:solidFill>
                   <a:srgbClr val="0000FF"/>
                 </a:solidFill>
-                <a:effectLst/>
-                <a:latin typeface="Courier New" panose="02070309020205020404" pitchFamily="49" charset="0"/>
-                <a:cs typeface="Courier New" panose="02070309020205020404" pitchFamily="49" charset="0"/>
-              </a:rPr>
-              <a:t>int</a:t>
+                <a:latin typeface="Courier New" panose="02070309020205020404" pitchFamily="49" charset="0"/>
+                <a:cs typeface="Courier New" panose="02070309020205020404" pitchFamily="49" charset="0"/>
+              </a:rPr>
+              <a:t>long</a:t>
             </a:r>
             <a:r>
               <a:rPr lang="en-US" b="1" i="0" dirty="0">
@@ -10064,7 +10324,7 @@
                 <a:latin typeface="Courier New" panose="02070309020205020404" pitchFamily="49" charset="0"/>
                 <a:cs typeface="Courier New" panose="02070309020205020404" pitchFamily="49" charset="0"/>
               </a:rPr>
-              <a:t>int</a:t>
+              <a:t>long</a:t>
             </a:r>
             <a:r>
               <a:rPr lang="en-US" b="1" i="0" dirty="0">
@@ -10767,8 +11027,8 @@
         </p:nvSpPr>
         <p:spPr>
           <a:xfrm>
-            <a:off x="535584" y="2258447"/>
-            <a:ext cx="2841249" cy="3139321"/>
+            <a:off x="211486" y="2258447"/>
+            <a:ext cx="3013989" cy="3139321"/>
           </a:xfrm>
           <a:prstGeom prst="rect">
             <a:avLst/>
@@ -10812,18 +11072,17 @@
               </a:tabLst>
             </a:pPr>
             <a:r>
-              <a:rPr lang="en-US" b="1" i="0" dirty="0">
+              <a:rPr lang="en-US" b="1" dirty="0">
                 <a:solidFill>
                   <a:srgbClr val="0000FF"/>
                 </a:solidFill>
-                <a:effectLst/>
                 <a:highlight>
                   <a:srgbClr val="FFFF00"/>
                 </a:highlight>
                 <a:latin typeface="Courier New" panose="02070309020205020404" pitchFamily="49" charset="0"/>
                 <a:cs typeface="Courier New" panose="02070309020205020404" pitchFamily="49" charset="0"/>
               </a:rPr>
-              <a:t>int</a:t>
+              <a:t>long</a:t>
             </a:r>
             <a:r>
               <a:rPr lang="en-US" b="1" i="0" dirty="0">
@@ -10876,7 +11135,7 @@
                 <a:latin typeface="Courier New" panose="02070309020205020404" pitchFamily="49" charset="0"/>
                 <a:cs typeface="Courier New" panose="02070309020205020404" pitchFamily="49" charset="0"/>
               </a:rPr>
-              <a:t>int</a:t>
+              <a:t>long</a:t>
             </a:r>
             <a:r>
               <a:rPr lang="en-US" b="1" i="0" dirty="0">
@@ -11164,7 +11423,7 @@
                 <a:latin typeface="Courier New" panose="02070309020205020404" pitchFamily="49" charset="0"/>
                 <a:cs typeface="Courier New" panose="02070309020205020404" pitchFamily="49" charset="0"/>
               </a:rPr>
-              <a:t>int</a:t>
+              <a:t>long</a:t>
             </a:r>
             <a:r>
               <a:rPr lang="en-US" b="1" i="0" dirty="0">
@@ -11205,7 +11464,7 @@
                 <a:latin typeface="Courier New" panose="02070309020205020404" pitchFamily="49" charset="0"/>
                 <a:cs typeface="Courier New" panose="02070309020205020404" pitchFamily="49" charset="0"/>
               </a:rPr>
-              <a:t>int</a:t>
+              <a:t>long</a:t>
             </a:r>
             <a:r>
               <a:rPr lang="en-US" b="1" i="0" dirty="0">
@@ -11395,8 +11654,8 @@
         </p:nvSpPr>
         <p:spPr>
           <a:xfrm>
-            <a:off x="6187620" y="2791473"/>
-            <a:ext cx="2604407" cy="2585323"/>
+            <a:off x="6157840" y="2794665"/>
+            <a:ext cx="2840633" cy="2585323"/>
           </a:xfrm>
           <a:prstGeom prst="rect">
             <a:avLst/>
@@ -11637,7 +11896,7 @@
                 <a:latin typeface="Courier New" panose="02070309020205020404" pitchFamily="49" charset="0"/>
                 <a:cs typeface="Courier New" panose="02070309020205020404" pitchFamily="49" charset="0"/>
               </a:rPr>
-              <a:t>int</a:t>
+              <a:t>long</a:t>
             </a:r>
             <a:r>
               <a:rPr lang="en-US" b="1" i="0" dirty="0">
@@ -11678,7 +11937,7 @@
                 <a:latin typeface="Courier New" panose="02070309020205020404" pitchFamily="49" charset="0"/>
                 <a:cs typeface="Courier New" panose="02070309020205020404" pitchFamily="49" charset="0"/>
               </a:rPr>
-              <a:t>int</a:t>
+              <a:t>long</a:t>
             </a:r>
             <a:r>
               <a:rPr lang="en-US" b="1" i="0" dirty="0">
@@ -11882,7 +12141,7 @@
         </p:blipFill>
         <p:spPr>
           <a:xfrm>
-            <a:off x="8246055" y="3536037"/>
+            <a:off x="8118730" y="3536037"/>
             <a:ext cx="362361" cy="490032"/>
           </a:xfrm>
           <a:prstGeom prst="rect">
@@ -11904,8 +12163,8 @@
         </p:nvSpPr>
         <p:spPr>
           <a:xfrm>
-            <a:off x="3491812" y="2794666"/>
-            <a:ext cx="2604407" cy="2585323"/>
+            <a:off x="3283462" y="2794666"/>
+            <a:ext cx="2816391" cy="2585323"/>
           </a:xfrm>
           <a:prstGeom prst="rect">
             <a:avLst/>
@@ -11957,7 +12216,7 @@
                 <a:latin typeface="Courier New" panose="02070309020205020404" pitchFamily="49" charset="0"/>
                 <a:cs typeface="Courier New" panose="02070309020205020404" pitchFamily="49" charset="0"/>
               </a:rPr>
-              <a:t>int</a:t>
+              <a:t>long</a:t>
             </a:r>
             <a:r>
               <a:rPr lang="en-US" b="1" i="0" dirty="0">
@@ -11990,15 +12249,14 @@
               <a:t>(</a:t>
             </a:r>
             <a:r>
-              <a:rPr lang="en-US" b="1" i="0" dirty="0">
+              <a:rPr lang="en-US" b="1" dirty="0">
                 <a:solidFill>
                   <a:srgbClr val="0000FF"/>
                 </a:solidFill>
-                <a:effectLst/>
-                <a:latin typeface="Courier New" panose="02070309020205020404" pitchFamily="49" charset="0"/>
-                <a:cs typeface="Courier New" panose="02070309020205020404" pitchFamily="49" charset="0"/>
-              </a:rPr>
-              <a:t>int</a:t>
+                <a:latin typeface="Courier New" panose="02070309020205020404" pitchFamily="49" charset="0"/>
+                <a:cs typeface="Courier New" panose="02070309020205020404" pitchFamily="49" charset="0"/>
+              </a:rPr>
+              <a:t>long</a:t>
             </a:r>
             <a:r>
               <a:rPr lang="en-US" b="1" i="0" dirty="0">
@@ -12394,7 +12652,7 @@
         </p:blipFill>
         <p:spPr>
           <a:xfrm>
-            <a:off x="5619339" y="3587907"/>
+            <a:off x="5492014" y="3587907"/>
             <a:ext cx="415645" cy="523714"/>
           </a:xfrm>
           <a:prstGeom prst="rect">
@@ -12430,7 +12688,7 @@
         </p:blipFill>
         <p:spPr>
           <a:xfrm>
-            <a:off x="2799066" y="3587907"/>
+            <a:off x="2671741" y="3587907"/>
             <a:ext cx="415645" cy="523714"/>
           </a:xfrm>
           <a:prstGeom prst="rect">
@@ -12762,15 +13020,45 @@
             </a:pPr>
             <a:r>
               <a:rPr lang="en-US" sz="2400" dirty="0">
+                <a:solidFill>
+                  <a:srgbClr val="0000FF"/>
+                </a:solidFill>
                 <a:highlight>
                   <a:srgbClr val="FFFF00"/>
                 </a:highlight>
               </a:rPr>
-              <a:t>double sqrt(double x)</a:t>
+              <a:t>double</a:t>
+            </a:r>
+            <a:r>
+              <a:rPr lang="en-US" sz="2400" dirty="0">
+                <a:highlight>
+                  <a:srgbClr val="FFFF00"/>
+                </a:highlight>
+              </a:rPr>
+              <a:t> sqrt(</a:t>
+            </a:r>
+            <a:r>
+              <a:rPr lang="en-US" sz="2400" dirty="0">
+                <a:solidFill>
+                  <a:srgbClr val="0000FF"/>
+                </a:solidFill>
+                <a:highlight>
+                  <a:srgbClr val="FFFF00"/>
+                </a:highlight>
+              </a:rPr>
+              <a:t>double</a:t>
+            </a:r>
+            <a:r>
+              <a:rPr lang="en-US" sz="2400" dirty="0">
+                <a:highlight>
+                  <a:srgbClr val="FFFF00"/>
+                </a:highlight>
+              </a:rPr>
+              <a:t> x)</a:t>
             </a:r>
             <a:r>
               <a:rPr lang="en-US" sz="2400" dirty="0"/>
-              <a:t> – computes the square root of a number, requires </a:t>
+              <a:t> – computes the square root of a number; requires </a:t>
             </a:r>
             <a:r>
               <a:rPr lang="en-US" sz="2400" dirty="0" err="1"/>
@@ -12778,7 +13066,19 @@
             </a:r>
             <a:r>
               <a:rPr lang="en-US" sz="2400" dirty="0"/>
-              <a:t>.</a:t>
+              <a:t> and -</a:t>
+            </a:r>
+            <a:r>
+              <a:rPr lang="en-US" sz="2400" dirty="0" err="1"/>
+              <a:t>lm</a:t>
+            </a:r>
+            <a:r>
+              <a:rPr lang="en-US" sz="2400" dirty="0"/>
+              <a:t> </a:t>
+            </a:r>
+            <a:r>
+              <a:rPr lang="en-US" sz="2400"/>
+              <a:t>for compilation </a:t>
             </a:r>
             <a:endParaRPr lang="en-US" sz="2000" dirty="0"/>
           </a:p>
@@ -12919,7 +13219,7 @@
         <p:spPr>
           <a:xfrm>
             <a:off x="908958" y="2101813"/>
-            <a:ext cx="6515177" cy="4524315"/>
+            <a:ext cx="6515177" cy="4616648"/>
           </a:xfrm>
           <a:prstGeom prst="rect">
             <a:avLst/>
@@ -13177,6 +13477,424 @@
                 <a:tab pos="1712913" algn="l"/>
               </a:tabLst>
             </a:pPr>
+            <a:endParaRPr lang="en-US" sz="1000" b="1" i="0" dirty="0">
+              <a:solidFill>
+                <a:schemeClr val="tx1"/>
+              </a:solidFill>
+              <a:effectLst/>
+              <a:latin typeface="Courier New" panose="02070309020205020404" pitchFamily="49" charset="0"/>
+              <a:cs typeface="Courier New" panose="02070309020205020404" pitchFamily="49" charset="0"/>
+            </a:endParaRPr>
+          </a:p>
+          <a:p>
+            <a:pPr>
+              <a:tabLst>
+                <a:tab pos="347663" algn="l"/>
+                <a:tab pos="682625" algn="l"/>
+                <a:tab pos="1087438" algn="l"/>
+                <a:tab pos="1377950" algn="l"/>
+                <a:tab pos="1712913" algn="l"/>
+              </a:tabLst>
+            </a:pPr>
+            <a:r>
+              <a:rPr lang="en-US" b="1" i="0" dirty="0">
+                <a:solidFill>
+                  <a:srgbClr val="0000FF"/>
+                </a:solidFill>
+                <a:effectLst/>
+                <a:latin typeface="Courier New" panose="02070309020205020404" pitchFamily="49" charset="0"/>
+                <a:cs typeface="Courier New" panose="02070309020205020404" pitchFamily="49" charset="0"/>
+              </a:rPr>
+              <a:t>double</a:t>
+            </a:r>
+            <a:r>
+              <a:rPr lang="en-US" b="1" i="0" dirty="0">
+                <a:solidFill>
+                  <a:schemeClr val="tx1"/>
+                </a:solidFill>
+                <a:effectLst/>
+                <a:latin typeface="Courier New" panose="02070309020205020404" pitchFamily="49" charset="0"/>
+                <a:cs typeface="Courier New" panose="02070309020205020404" pitchFamily="49" charset="0"/>
+              </a:rPr>
+              <a:t> </a:t>
+            </a:r>
+            <a:r>
+              <a:rPr lang="en-US" b="1" i="0" dirty="0" err="1">
+                <a:solidFill>
+                  <a:schemeClr val="tx1"/>
+                </a:solidFill>
+                <a:effectLst/>
+                <a:latin typeface="Courier New" panose="02070309020205020404" pitchFamily="49" charset="0"/>
+                <a:cs typeface="Courier New" panose="02070309020205020404" pitchFamily="49" charset="0"/>
+              </a:rPr>
+              <a:t>hypotenuse_of</a:t>
+            </a:r>
+            <a:r>
+              <a:rPr lang="en-US" b="1" i="0" dirty="0">
+                <a:solidFill>
+                  <a:schemeClr val="tx1"/>
+                </a:solidFill>
+                <a:effectLst/>
+                <a:latin typeface="Courier New" panose="02070309020205020404" pitchFamily="49" charset="0"/>
+                <a:cs typeface="Courier New" panose="02070309020205020404" pitchFamily="49" charset="0"/>
+              </a:rPr>
+              <a:t>(</a:t>
+            </a:r>
+            <a:r>
+              <a:rPr lang="en-US" b="1" i="0" dirty="0">
+                <a:solidFill>
+                  <a:srgbClr val="0000FF"/>
+                </a:solidFill>
+                <a:effectLst/>
+                <a:latin typeface="Courier New" panose="02070309020205020404" pitchFamily="49" charset="0"/>
+                <a:cs typeface="Courier New" panose="02070309020205020404" pitchFamily="49" charset="0"/>
+              </a:rPr>
+              <a:t>long</a:t>
+            </a:r>
+            <a:r>
+              <a:rPr lang="en-US" b="1" i="0" dirty="0">
+                <a:solidFill>
+                  <a:schemeClr val="tx1"/>
+                </a:solidFill>
+                <a:effectLst/>
+                <a:latin typeface="Courier New" panose="02070309020205020404" pitchFamily="49" charset="0"/>
+                <a:cs typeface="Courier New" panose="02070309020205020404" pitchFamily="49" charset="0"/>
+              </a:rPr>
+              <a:t> base, </a:t>
+            </a:r>
+            <a:r>
+              <a:rPr lang="en-US" b="1" i="0" dirty="0">
+                <a:solidFill>
+                  <a:srgbClr val="0000FF"/>
+                </a:solidFill>
+                <a:effectLst/>
+                <a:latin typeface="Courier New" panose="02070309020205020404" pitchFamily="49" charset="0"/>
+                <a:cs typeface="Courier New" panose="02070309020205020404" pitchFamily="49" charset="0"/>
+              </a:rPr>
+              <a:t>long</a:t>
+            </a:r>
+            <a:r>
+              <a:rPr lang="en-US" b="1" i="0" dirty="0">
+                <a:solidFill>
+                  <a:schemeClr val="tx1"/>
+                </a:solidFill>
+                <a:effectLst/>
+                <a:latin typeface="Courier New" panose="02070309020205020404" pitchFamily="49" charset="0"/>
+                <a:cs typeface="Courier New" panose="02070309020205020404" pitchFamily="49" charset="0"/>
+              </a:rPr>
+              <a:t> height)</a:t>
+            </a:r>
+          </a:p>
+          <a:p>
+            <a:pPr>
+              <a:tabLst>
+                <a:tab pos="347663" algn="l"/>
+                <a:tab pos="682625" algn="l"/>
+                <a:tab pos="1087438" algn="l"/>
+                <a:tab pos="1377950" algn="l"/>
+                <a:tab pos="1712913" algn="l"/>
+              </a:tabLst>
+            </a:pPr>
+            <a:r>
+              <a:rPr lang="en-US" b="1" i="0" dirty="0">
+                <a:solidFill>
+                  <a:schemeClr val="tx1"/>
+                </a:solidFill>
+                <a:effectLst/>
+                <a:latin typeface="Courier New" panose="02070309020205020404" pitchFamily="49" charset="0"/>
+                <a:cs typeface="Courier New" panose="02070309020205020404" pitchFamily="49" charset="0"/>
+              </a:rPr>
+              <a:t>{</a:t>
+            </a:r>
+          </a:p>
+          <a:p>
+            <a:pPr>
+              <a:tabLst>
+                <a:tab pos="347663" algn="l"/>
+                <a:tab pos="682625" algn="l"/>
+                <a:tab pos="1087438" algn="l"/>
+                <a:tab pos="1377950" algn="l"/>
+                <a:tab pos="1712913" algn="l"/>
+              </a:tabLst>
+            </a:pPr>
+            <a:r>
+              <a:rPr lang="en-US" b="1" i="0" dirty="0">
+                <a:solidFill>
+                  <a:schemeClr val="tx1"/>
+                </a:solidFill>
+                <a:effectLst/>
+                <a:latin typeface="Courier New" panose="02070309020205020404" pitchFamily="49" charset="0"/>
+                <a:cs typeface="Courier New" panose="02070309020205020404" pitchFamily="49" charset="0"/>
+              </a:rPr>
+              <a:t>  </a:t>
+            </a:r>
+            <a:r>
+              <a:rPr lang="en-US" b="1" i="0" dirty="0">
+                <a:solidFill>
+                  <a:srgbClr val="0000FF"/>
+                </a:solidFill>
+                <a:effectLst/>
+                <a:latin typeface="Courier New" panose="02070309020205020404" pitchFamily="49" charset="0"/>
+                <a:cs typeface="Courier New" panose="02070309020205020404" pitchFamily="49" charset="0"/>
+              </a:rPr>
+              <a:t>return</a:t>
+            </a:r>
+            <a:r>
+              <a:rPr lang="en-US" b="1" i="0" dirty="0">
+                <a:solidFill>
+                  <a:schemeClr val="tx1"/>
+                </a:solidFill>
+                <a:effectLst/>
+                <a:latin typeface="Courier New" panose="02070309020205020404" pitchFamily="49" charset="0"/>
+                <a:cs typeface="Courier New" panose="02070309020205020404" pitchFamily="49" charset="0"/>
+              </a:rPr>
+              <a:t> sqrt(square(base) + square(height));</a:t>
+            </a:r>
+          </a:p>
+          <a:p>
+            <a:pPr>
+              <a:tabLst>
+                <a:tab pos="347663" algn="l"/>
+                <a:tab pos="682625" algn="l"/>
+                <a:tab pos="1087438" algn="l"/>
+                <a:tab pos="1377950" algn="l"/>
+                <a:tab pos="1712913" algn="l"/>
+              </a:tabLst>
+            </a:pPr>
+            <a:r>
+              <a:rPr lang="en-US" b="1" i="0" dirty="0">
+                <a:solidFill>
+                  <a:schemeClr val="tx1"/>
+                </a:solidFill>
+                <a:effectLst/>
+                <a:latin typeface="Courier New" panose="02070309020205020404" pitchFamily="49" charset="0"/>
+                <a:cs typeface="Courier New" panose="02070309020205020404" pitchFamily="49" charset="0"/>
+              </a:rPr>
+              <a:t>}</a:t>
+            </a:r>
+          </a:p>
+          <a:p>
+            <a:pPr>
+              <a:tabLst>
+                <a:tab pos="347663" algn="l"/>
+                <a:tab pos="682625" algn="l"/>
+                <a:tab pos="1087438" algn="l"/>
+                <a:tab pos="1377950" algn="l"/>
+                <a:tab pos="1712913" algn="l"/>
+              </a:tabLst>
+            </a:pPr>
+            <a:endParaRPr lang="en-US" sz="1000" b="1" i="0" dirty="0">
+              <a:solidFill>
+                <a:schemeClr val="tx1"/>
+              </a:solidFill>
+              <a:effectLst/>
+              <a:latin typeface="Courier New" panose="02070309020205020404" pitchFamily="49" charset="0"/>
+              <a:cs typeface="Courier New" panose="02070309020205020404" pitchFamily="49" charset="0"/>
+            </a:endParaRPr>
+          </a:p>
+          <a:p>
+            <a:pPr>
+              <a:tabLst>
+                <a:tab pos="347663" algn="l"/>
+                <a:tab pos="682625" algn="l"/>
+                <a:tab pos="1087438" algn="l"/>
+                <a:tab pos="1377950" algn="l"/>
+                <a:tab pos="1712913" algn="l"/>
+              </a:tabLst>
+            </a:pPr>
+            <a:r>
+              <a:rPr lang="en-US" b="1" i="0" dirty="0">
+                <a:solidFill>
+                  <a:srgbClr val="0000FF"/>
+                </a:solidFill>
+                <a:effectLst/>
+                <a:latin typeface="Courier New" panose="02070309020205020404" pitchFamily="49" charset="0"/>
+                <a:cs typeface="Courier New" panose="02070309020205020404" pitchFamily="49" charset="0"/>
+              </a:rPr>
+              <a:t>int</a:t>
+            </a:r>
+            <a:r>
+              <a:rPr lang="en-US" b="1" i="0" dirty="0">
+                <a:solidFill>
+                  <a:schemeClr val="tx1"/>
+                </a:solidFill>
+                <a:effectLst/>
+                <a:latin typeface="Courier New" panose="02070309020205020404" pitchFamily="49" charset="0"/>
+                <a:cs typeface="Courier New" panose="02070309020205020404" pitchFamily="49" charset="0"/>
+              </a:rPr>
+              <a:t> main()</a:t>
+            </a:r>
+          </a:p>
+          <a:p>
+            <a:pPr>
+              <a:tabLst>
+                <a:tab pos="347663" algn="l"/>
+                <a:tab pos="682625" algn="l"/>
+                <a:tab pos="1087438" algn="l"/>
+                <a:tab pos="1377950" algn="l"/>
+                <a:tab pos="1712913" algn="l"/>
+              </a:tabLst>
+            </a:pPr>
+            <a:r>
+              <a:rPr lang="en-US" b="1" i="0" dirty="0">
+                <a:solidFill>
+                  <a:schemeClr val="tx1"/>
+                </a:solidFill>
+                <a:effectLst/>
+                <a:latin typeface="Courier New" panose="02070309020205020404" pitchFamily="49" charset="0"/>
+                <a:cs typeface="Courier New" panose="02070309020205020404" pitchFamily="49" charset="0"/>
+              </a:rPr>
+              <a:t>{</a:t>
+            </a:r>
+          </a:p>
+          <a:p>
+            <a:pPr>
+              <a:tabLst>
+                <a:tab pos="347663" algn="l"/>
+                <a:tab pos="682625" algn="l"/>
+                <a:tab pos="1087438" algn="l"/>
+                <a:tab pos="1377950" algn="l"/>
+                <a:tab pos="1712913" algn="l"/>
+              </a:tabLst>
+            </a:pPr>
+            <a:r>
+              <a:rPr lang="en-US" b="1" i="0" dirty="0">
+                <a:solidFill>
+                  <a:schemeClr val="tx1"/>
+                </a:solidFill>
+                <a:effectLst/>
+                <a:latin typeface="Courier New" panose="02070309020205020404" pitchFamily="49" charset="0"/>
+                <a:cs typeface="Courier New" panose="02070309020205020404" pitchFamily="49" charset="0"/>
+              </a:rPr>
+              <a:t>  </a:t>
+            </a:r>
+            <a:r>
+              <a:rPr lang="en-US" b="1" i="0" dirty="0" err="1">
+                <a:solidFill>
+                  <a:schemeClr val="tx1"/>
+                </a:solidFill>
+                <a:effectLst/>
+                <a:latin typeface="Courier New" panose="02070309020205020404" pitchFamily="49" charset="0"/>
+                <a:cs typeface="Courier New" panose="02070309020205020404" pitchFamily="49" charset="0"/>
+              </a:rPr>
+              <a:t>hypotenuse_of</a:t>
+            </a:r>
+            <a:r>
+              <a:rPr lang="en-US" b="1" i="0" dirty="0">
+                <a:solidFill>
+                  <a:schemeClr val="tx1"/>
+                </a:solidFill>
+                <a:effectLst/>
+                <a:latin typeface="Courier New" panose="02070309020205020404" pitchFamily="49" charset="0"/>
+                <a:cs typeface="Courier New" panose="02070309020205020404" pitchFamily="49" charset="0"/>
+              </a:rPr>
+              <a:t>(</a:t>
+            </a:r>
+            <a:r>
+              <a:rPr lang="en-US" b="1" i="0" dirty="0">
+                <a:solidFill>
+                  <a:srgbClr val="C00000"/>
+                </a:solidFill>
+                <a:effectLst/>
+                <a:latin typeface="Courier New" panose="02070309020205020404" pitchFamily="49" charset="0"/>
+                <a:cs typeface="Courier New" panose="02070309020205020404" pitchFamily="49" charset="0"/>
+              </a:rPr>
+              <a:t>3</a:t>
+            </a:r>
+            <a:r>
+              <a:rPr lang="en-US" b="1" i="0" dirty="0">
+                <a:solidFill>
+                  <a:schemeClr val="tx1"/>
+                </a:solidFill>
+                <a:effectLst/>
+                <a:latin typeface="Courier New" panose="02070309020205020404" pitchFamily="49" charset="0"/>
+                <a:cs typeface="Courier New" panose="02070309020205020404" pitchFamily="49" charset="0"/>
+              </a:rPr>
+              <a:t>, </a:t>
+            </a:r>
+            <a:r>
+              <a:rPr lang="en-US" b="1" i="0" dirty="0">
+                <a:solidFill>
+                  <a:srgbClr val="C00000"/>
+                </a:solidFill>
+                <a:effectLst/>
+                <a:latin typeface="Courier New" panose="02070309020205020404" pitchFamily="49" charset="0"/>
+                <a:cs typeface="Courier New" panose="02070309020205020404" pitchFamily="49" charset="0"/>
+              </a:rPr>
+              <a:t>4</a:t>
+            </a:r>
+            <a:r>
+              <a:rPr lang="en-US" b="1" i="0" dirty="0">
+                <a:solidFill>
+                  <a:schemeClr val="tx1"/>
+                </a:solidFill>
+                <a:effectLst/>
+                <a:latin typeface="Courier New" panose="02070309020205020404" pitchFamily="49" charset="0"/>
+                <a:cs typeface="Courier New" panose="02070309020205020404" pitchFamily="49" charset="0"/>
+              </a:rPr>
+              <a:t>);</a:t>
+            </a:r>
+          </a:p>
+          <a:p>
+            <a:pPr>
+              <a:tabLst>
+                <a:tab pos="347663" algn="l"/>
+                <a:tab pos="682625" algn="l"/>
+                <a:tab pos="1087438" algn="l"/>
+                <a:tab pos="1377950" algn="l"/>
+                <a:tab pos="1712913" algn="l"/>
+              </a:tabLst>
+            </a:pPr>
+            <a:r>
+              <a:rPr lang="en-US" b="1" dirty="0">
+                <a:solidFill>
+                  <a:schemeClr val="tx1"/>
+                </a:solidFill>
+                <a:latin typeface="Courier New" panose="02070309020205020404" pitchFamily="49" charset="0"/>
+                <a:cs typeface="Courier New" panose="02070309020205020404" pitchFamily="49" charset="0"/>
+              </a:rPr>
+              <a:t>  </a:t>
+            </a:r>
+            <a:r>
+              <a:rPr lang="en-US" b="1" dirty="0">
+                <a:solidFill>
+                  <a:srgbClr val="0000FF"/>
+                </a:solidFill>
+                <a:latin typeface="Courier New" panose="02070309020205020404" pitchFamily="49" charset="0"/>
+                <a:cs typeface="Courier New" panose="02070309020205020404" pitchFamily="49" charset="0"/>
+              </a:rPr>
+              <a:t>return</a:t>
+            </a:r>
+            <a:r>
+              <a:rPr lang="en-US" b="1" dirty="0">
+                <a:solidFill>
+                  <a:schemeClr val="tx1"/>
+                </a:solidFill>
+                <a:latin typeface="Courier New" panose="02070309020205020404" pitchFamily="49" charset="0"/>
+                <a:cs typeface="Courier New" panose="02070309020205020404" pitchFamily="49" charset="0"/>
+              </a:rPr>
+              <a:t> </a:t>
+            </a:r>
+            <a:r>
+              <a:rPr lang="en-US" b="1" dirty="0">
+                <a:solidFill>
+                  <a:srgbClr val="C00000"/>
+                </a:solidFill>
+                <a:latin typeface="Courier New" panose="02070309020205020404" pitchFamily="49" charset="0"/>
+                <a:cs typeface="Courier New" panose="02070309020205020404" pitchFamily="49" charset="0"/>
+              </a:rPr>
+              <a:t>0</a:t>
+            </a:r>
+            <a:r>
+              <a:rPr lang="en-US" b="1" dirty="0">
+                <a:solidFill>
+                  <a:schemeClr val="tx1"/>
+                </a:solidFill>
+                <a:latin typeface="Courier New" panose="02070309020205020404" pitchFamily="49" charset="0"/>
+                <a:cs typeface="Courier New" panose="02070309020205020404" pitchFamily="49" charset="0"/>
+              </a:rPr>
+              <a:t>;</a:t>
+            </a:r>
             <a:endParaRPr lang="en-US" b="1" i="0" dirty="0">
               <a:solidFill>
                 <a:schemeClr val="tx1"/>
@@ -13185,355 +13903,6 @@
               <a:latin typeface="Courier New" panose="02070309020205020404" pitchFamily="49" charset="0"/>
               <a:cs typeface="Courier New" panose="02070309020205020404" pitchFamily="49" charset="0"/>
             </a:endParaRPr>
-          </a:p>
-          <a:p>
-            <a:pPr>
-              <a:tabLst>
-                <a:tab pos="347663" algn="l"/>
-                <a:tab pos="682625" algn="l"/>
-                <a:tab pos="1087438" algn="l"/>
-                <a:tab pos="1377950" algn="l"/>
-                <a:tab pos="1712913" algn="l"/>
-              </a:tabLst>
-            </a:pPr>
-            <a:r>
-              <a:rPr lang="en-US" b="1" i="0" dirty="0">
-                <a:solidFill>
-                  <a:srgbClr val="0000FF"/>
-                </a:solidFill>
-                <a:effectLst/>
-                <a:latin typeface="Courier New" panose="02070309020205020404" pitchFamily="49" charset="0"/>
-                <a:cs typeface="Courier New" panose="02070309020205020404" pitchFamily="49" charset="0"/>
-              </a:rPr>
-              <a:t>double</a:t>
-            </a:r>
-            <a:r>
-              <a:rPr lang="en-US" b="1" i="0" dirty="0">
-                <a:solidFill>
-                  <a:schemeClr val="tx1"/>
-                </a:solidFill>
-                <a:effectLst/>
-                <a:latin typeface="Courier New" panose="02070309020205020404" pitchFamily="49" charset="0"/>
-                <a:cs typeface="Courier New" panose="02070309020205020404" pitchFamily="49" charset="0"/>
-              </a:rPr>
-              <a:t> </a:t>
-            </a:r>
-            <a:r>
-              <a:rPr lang="en-US" b="1" i="0" dirty="0" err="1">
-                <a:solidFill>
-                  <a:schemeClr val="tx1"/>
-                </a:solidFill>
-                <a:effectLst/>
-                <a:latin typeface="Courier New" panose="02070309020205020404" pitchFamily="49" charset="0"/>
-                <a:cs typeface="Courier New" panose="02070309020205020404" pitchFamily="49" charset="0"/>
-              </a:rPr>
-              <a:t>hypotenuse_of</a:t>
-            </a:r>
-            <a:r>
-              <a:rPr lang="en-US" b="1" i="0" dirty="0">
-                <a:solidFill>
-                  <a:schemeClr val="tx1"/>
-                </a:solidFill>
-                <a:effectLst/>
-                <a:latin typeface="Courier New" panose="02070309020205020404" pitchFamily="49" charset="0"/>
-                <a:cs typeface="Courier New" panose="02070309020205020404" pitchFamily="49" charset="0"/>
-              </a:rPr>
-              <a:t>(</a:t>
-            </a:r>
-            <a:r>
-              <a:rPr lang="en-US" b="1" i="0" dirty="0">
-                <a:solidFill>
-                  <a:srgbClr val="0000FF"/>
-                </a:solidFill>
-                <a:effectLst/>
-                <a:latin typeface="Courier New" panose="02070309020205020404" pitchFamily="49" charset="0"/>
-                <a:cs typeface="Courier New" panose="02070309020205020404" pitchFamily="49" charset="0"/>
-              </a:rPr>
-              <a:t>long</a:t>
-            </a:r>
-            <a:r>
-              <a:rPr lang="en-US" b="1" i="0" dirty="0">
-                <a:solidFill>
-                  <a:schemeClr val="tx1"/>
-                </a:solidFill>
-                <a:effectLst/>
-                <a:latin typeface="Courier New" panose="02070309020205020404" pitchFamily="49" charset="0"/>
-                <a:cs typeface="Courier New" panose="02070309020205020404" pitchFamily="49" charset="0"/>
-              </a:rPr>
-              <a:t> base, </a:t>
-            </a:r>
-            <a:r>
-              <a:rPr lang="en-US" b="1" i="0" dirty="0">
-                <a:solidFill>
-                  <a:srgbClr val="0000FF"/>
-                </a:solidFill>
-                <a:effectLst/>
-                <a:latin typeface="Courier New" panose="02070309020205020404" pitchFamily="49" charset="0"/>
-                <a:cs typeface="Courier New" panose="02070309020205020404" pitchFamily="49" charset="0"/>
-              </a:rPr>
-              <a:t>long</a:t>
-            </a:r>
-            <a:r>
-              <a:rPr lang="en-US" b="1" i="0" dirty="0">
-                <a:solidFill>
-                  <a:schemeClr val="tx1"/>
-                </a:solidFill>
-                <a:effectLst/>
-                <a:latin typeface="Courier New" panose="02070309020205020404" pitchFamily="49" charset="0"/>
-                <a:cs typeface="Courier New" panose="02070309020205020404" pitchFamily="49" charset="0"/>
-              </a:rPr>
-              <a:t> height)</a:t>
-            </a:r>
-          </a:p>
-          <a:p>
-            <a:pPr>
-              <a:tabLst>
-                <a:tab pos="347663" algn="l"/>
-                <a:tab pos="682625" algn="l"/>
-                <a:tab pos="1087438" algn="l"/>
-                <a:tab pos="1377950" algn="l"/>
-                <a:tab pos="1712913" algn="l"/>
-              </a:tabLst>
-            </a:pPr>
-            <a:r>
-              <a:rPr lang="en-US" b="1" i="0" dirty="0">
-                <a:solidFill>
-                  <a:schemeClr val="tx1"/>
-                </a:solidFill>
-                <a:effectLst/>
-                <a:latin typeface="Courier New" panose="02070309020205020404" pitchFamily="49" charset="0"/>
-                <a:cs typeface="Courier New" panose="02070309020205020404" pitchFamily="49" charset="0"/>
-              </a:rPr>
-              <a:t>{</a:t>
-            </a:r>
-          </a:p>
-          <a:p>
-            <a:pPr>
-              <a:tabLst>
-                <a:tab pos="347663" algn="l"/>
-                <a:tab pos="682625" algn="l"/>
-                <a:tab pos="1087438" algn="l"/>
-                <a:tab pos="1377950" algn="l"/>
-                <a:tab pos="1712913" algn="l"/>
-              </a:tabLst>
-            </a:pPr>
-            <a:r>
-              <a:rPr lang="en-US" b="1" i="0" dirty="0">
-                <a:solidFill>
-                  <a:schemeClr val="tx1"/>
-                </a:solidFill>
-                <a:effectLst/>
-                <a:latin typeface="Courier New" panose="02070309020205020404" pitchFamily="49" charset="0"/>
-                <a:cs typeface="Courier New" panose="02070309020205020404" pitchFamily="49" charset="0"/>
-              </a:rPr>
-              <a:t>  </a:t>
-            </a:r>
-            <a:r>
-              <a:rPr lang="en-US" b="1" i="0" dirty="0">
-                <a:solidFill>
-                  <a:srgbClr val="0000FF"/>
-                </a:solidFill>
-                <a:effectLst/>
-                <a:latin typeface="Courier New" panose="02070309020205020404" pitchFamily="49" charset="0"/>
-                <a:cs typeface="Courier New" panose="02070309020205020404" pitchFamily="49" charset="0"/>
-              </a:rPr>
-              <a:t>return</a:t>
-            </a:r>
-            <a:r>
-              <a:rPr lang="en-US" b="1" i="0" dirty="0">
-                <a:solidFill>
-                  <a:schemeClr val="tx1"/>
-                </a:solidFill>
-                <a:effectLst/>
-                <a:latin typeface="Courier New" panose="02070309020205020404" pitchFamily="49" charset="0"/>
-                <a:cs typeface="Courier New" panose="02070309020205020404" pitchFamily="49" charset="0"/>
-              </a:rPr>
-              <a:t> sqrt(square(base) + square(height));</a:t>
-            </a:r>
-          </a:p>
-          <a:p>
-            <a:pPr>
-              <a:tabLst>
-                <a:tab pos="347663" algn="l"/>
-                <a:tab pos="682625" algn="l"/>
-                <a:tab pos="1087438" algn="l"/>
-                <a:tab pos="1377950" algn="l"/>
-                <a:tab pos="1712913" algn="l"/>
-              </a:tabLst>
-            </a:pPr>
-            <a:r>
-              <a:rPr lang="en-US" b="1" i="0" dirty="0">
-                <a:solidFill>
-                  <a:schemeClr val="tx1"/>
-                </a:solidFill>
-                <a:effectLst/>
-                <a:latin typeface="Courier New" panose="02070309020205020404" pitchFamily="49" charset="0"/>
-                <a:cs typeface="Courier New" panose="02070309020205020404" pitchFamily="49" charset="0"/>
-              </a:rPr>
-              <a:t>}</a:t>
-            </a:r>
-          </a:p>
-          <a:p>
-            <a:pPr>
-              <a:tabLst>
-                <a:tab pos="347663" algn="l"/>
-                <a:tab pos="682625" algn="l"/>
-                <a:tab pos="1087438" algn="l"/>
-                <a:tab pos="1377950" algn="l"/>
-                <a:tab pos="1712913" algn="l"/>
-              </a:tabLst>
-            </a:pPr>
-            <a:endParaRPr lang="en-US" b="1" i="0" dirty="0">
-              <a:solidFill>
-                <a:schemeClr val="tx1"/>
-              </a:solidFill>
-              <a:effectLst/>
-              <a:latin typeface="Courier New" panose="02070309020205020404" pitchFamily="49" charset="0"/>
-              <a:cs typeface="Courier New" panose="02070309020205020404" pitchFamily="49" charset="0"/>
-            </a:endParaRPr>
-          </a:p>
-          <a:p>
-            <a:pPr>
-              <a:tabLst>
-                <a:tab pos="347663" algn="l"/>
-                <a:tab pos="682625" algn="l"/>
-                <a:tab pos="1087438" algn="l"/>
-                <a:tab pos="1377950" algn="l"/>
-                <a:tab pos="1712913" algn="l"/>
-              </a:tabLst>
-            </a:pPr>
-            <a:r>
-              <a:rPr lang="en-US" b="1" i="0" dirty="0">
-                <a:solidFill>
-                  <a:srgbClr val="0000FF"/>
-                </a:solidFill>
-                <a:effectLst/>
-                <a:latin typeface="Courier New" panose="02070309020205020404" pitchFamily="49" charset="0"/>
-                <a:cs typeface="Courier New" panose="02070309020205020404" pitchFamily="49" charset="0"/>
-              </a:rPr>
-              <a:t>int</a:t>
-            </a:r>
-            <a:r>
-              <a:rPr lang="en-US" b="1" i="0" dirty="0">
-                <a:solidFill>
-                  <a:schemeClr val="tx1"/>
-                </a:solidFill>
-                <a:effectLst/>
-                <a:latin typeface="Courier New" panose="02070309020205020404" pitchFamily="49" charset="0"/>
-                <a:cs typeface="Courier New" panose="02070309020205020404" pitchFamily="49" charset="0"/>
-              </a:rPr>
-              <a:t> main()</a:t>
-            </a:r>
-          </a:p>
-          <a:p>
-            <a:pPr>
-              <a:tabLst>
-                <a:tab pos="347663" algn="l"/>
-                <a:tab pos="682625" algn="l"/>
-                <a:tab pos="1087438" algn="l"/>
-                <a:tab pos="1377950" algn="l"/>
-                <a:tab pos="1712913" algn="l"/>
-              </a:tabLst>
-            </a:pPr>
-            <a:r>
-              <a:rPr lang="en-US" b="1" i="0" dirty="0">
-                <a:solidFill>
-                  <a:schemeClr val="tx1"/>
-                </a:solidFill>
-                <a:effectLst/>
-                <a:latin typeface="Courier New" panose="02070309020205020404" pitchFamily="49" charset="0"/>
-                <a:cs typeface="Courier New" panose="02070309020205020404" pitchFamily="49" charset="0"/>
-              </a:rPr>
-              <a:t>{</a:t>
-            </a:r>
-          </a:p>
-          <a:p>
-            <a:pPr>
-              <a:tabLst>
-                <a:tab pos="347663" algn="l"/>
-                <a:tab pos="682625" algn="l"/>
-                <a:tab pos="1087438" algn="l"/>
-                <a:tab pos="1377950" algn="l"/>
-                <a:tab pos="1712913" algn="l"/>
-              </a:tabLst>
-            </a:pPr>
-            <a:r>
-              <a:rPr lang="en-US" b="1" i="0" dirty="0">
-                <a:solidFill>
-                  <a:schemeClr val="tx1"/>
-                </a:solidFill>
-                <a:effectLst/>
-                <a:latin typeface="Courier New" panose="02070309020205020404" pitchFamily="49" charset="0"/>
-                <a:cs typeface="Courier New" panose="02070309020205020404" pitchFamily="49" charset="0"/>
-              </a:rPr>
-              <a:t>  </a:t>
-            </a:r>
-            <a:r>
-              <a:rPr lang="en-US" b="1" i="0" dirty="0" err="1">
-                <a:solidFill>
-                  <a:schemeClr val="tx1"/>
-                </a:solidFill>
-                <a:effectLst/>
-                <a:latin typeface="Courier New" panose="02070309020205020404" pitchFamily="49" charset="0"/>
-                <a:cs typeface="Courier New" panose="02070309020205020404" pitchFamily="49" charset="0"/>
-              </a:rPr>
-              <a:t>hypotenuse_of</a:t>
-            </a:r>
-            <a:r>
-              <a:rPr lang="en-US" b="1" i="0" dirty="0">
-                <a:solidFill>
-                  <a:schemeClr val="tx1"/>
-                </a:solidFill>
-                <a:effectLst/>
-                <a:latin typeface="Courier New" panose="02070309020205020404" pitchFamily="49" charset="0"/>
-                <a:cs typeface="Courier New" panose="02070309020205020404" pitchFamily="49" charset="0"/>
-              </a:rPr>
-              <a:t>(</a:t>
-            </a:r>
-            <a:r>
-              <a:rPr lang="en-US" b="1" i="0" dirty="0">
-                <a:solidFill>
-                  <a:srgbClr val="C00000"/>
-                </a:solidFill>
-                <a:effectLst/>
-                <a:latin typeface="Courier New" panose="02070309020205020404" pitchFamily="49" charset="0"/>
-                <a:cs typeface="Courier New" panose="02070309020205020404" pitchFamily="49" charset="0"/>
-              </a:rPr>
-              <a:t>3</a:t>
-            </a:r>
-            <a:r>
-              <a:rPr lang="en-US" b="1" i="0" dirty="0">
-                <a:solidFill>
-                  <a:schemeClr val="tx1"/>
-                </a:solidFill>
-                <a:effectLst/>
-                <a:latin typeface="Courier New" panose="02070309020205020404" pitchFamily="49" charset="0"/>
-                <a:cs typeface="Courier New" panose="02070309020205020404" pitchFamily="49" charset="0"/>
-              </a:rPr>
-              <a:t>, </a:t>
-            </a:r>
-            <a:r>
-              <a:rPr lang="en-US" b="1" i="0" dirty="0">
-                <a:solidFill>
-                  <a:srgbClr val="C00000"/>
-                </a:solidFill>
-                <a:effectLst/>
-                <a:latin typeface="Courier New" panose="02070309020205020404" pitchFamily="49" charset="0"/>
-                <a:cs typeface="Courier New" panose="02070309020205020404" pitchFamily="49" charset="0"/>
-              </a:rPr>
-              <a:t>4</a:t>
-            </a:r>
-            <a:r>
-              <a:rPr lang="en-US" b="1" i="0" dirty="0">
-                <a:solidFill>
-                  <a:schemeClr val="tx1"/>
-                </a:solidFill>
-                <a:effectLst/>
-                <a:latin typeface="Courier New" panose="02070309020205020404" pitchFamily="49" charset="0"/>
-                <a:cs typeface="Courier New" panose="02070309020205020404" pitchFamily="49" charset="0"/>
-              </a:rPr>
-              <a:t>);</a:t>
-            </a:r>
           </a:p>
           <a:p>
             <a:pPr>
@@ -13881,7 +14250,7 @@
             </a:pPr>
             <a:r>
               <a:rPr lang="en-US" sz="2800" dirty="0"/>
-              <a:t>Always declare a variable within a function</a:t>
+              <a:t>Declaring a variable outside any function</a:t>
             </a:r>
           </a:p>
           <a:p>
@@ -13961,7 +14330,7 @@
             </a:pPr>
             <a:r>
               <a:rPr lang="en-US" sz="2800" dirty="0"/>
-              <a:t>No re-declaration</a:t>
+              <a:t>Re-declaration</a:t>
             </a:r>
           </a:p>
           <a:p>
@@ -14628,42 +14997,6 @@
       </p:sp>
       <p:pic>
         <p:nvPicPr>
-          <p:cNvPr id="14" name="Picture 13">
-            <a:extLst>
-              <a:ext uri="{FF2B5EF4-FFF2-40B4-BE49-F238E27FC236}">
-                <a16:creationId xmlns:a16="http://schemas.microsoft.com/office/drawing/2014/main" id="{9F0342D1-68B4-4418-BA3C-115BA014738F}"/>
-              </a:ext>
-            </a:extLst>
-          </p:cNvPr>
-          <p:cNvPicPr>
-            <a:picLocks noChangeAspect="1"/>
-          </p:cNvPicPr>
-          <p:nvPr/>
-        </p:nvPicPr>
-        <p:blipFill>
-          <a:blip r:embed="rId3" cstate="print">
-            <a:extLst>
-              <a:ext uri="{28A0092B-C50C-407E-A947-70E740481C1C}">
-                <a14:useLocalDpi xmlns:a14="http://schemas.microsoft.com/office/drawing/2010/main" val="0"/>
-              </a:ext>
-            </a:extLst>
-          </a:blip>
-          <a:stretch>
-            <a:fillRect/>
-          </a:stretch>
-        </p:blipFill>
-        <p:spPr>
-          <a:xfrm>
-            <a:off x="6757739" y="1695767"/>
-            <a:ext cx="362361" cy="490032"/>
-          </a:xfrm>
-          <a:prstGeom prst="rect">
-            <a:avLst/>
-          </a:prstGeom>
-        </p:spPr>
-      </p:pic>
-      <p:pic>
-        <p:nvPicPr>
           <p:cNvPr id="15" name="Picture 14">
             <a:extLst>
               <a:ext uri="{FF2B5EF4-FFF2-40B4-BE49-F238E27FC236}">
@@ -14698,6 +15031,100 @@
           </a:prstGeom>
         </p:spPr>
       </p:pic>
+      <p:sp>
+        <p:nvSpPr>
+          <p:cNvPr id="11" name="TextBox 10">
+            <a:extLst>
+              <a:ext uri="{FF2B5EF4-FFF2-40B4-BE49-F238E27FC236}">
+                <a16:creationId xmlns:a16="http://schemas.microsoft.com/office/drawing/2014/main" id="{CF30CDDD-4206-994C-A14B-ADCEC7C6B094}"/>
+              </a:ext>
+            </a:extLst>
+          </p:cNvPr>
+          <p:cNvSpPr txBox="1"/>
+          <p:nvPr/>
+        </p:nvSpPr>
+        <p:spPr>
+          <a:xfrm>
+            <a:off x="5747502" y="2616137"/>
+            <a:ext cx="2867186" cy="646331"/>
+          </a:xfrm>
+          <a:prstGeom prst="rect">
+            <a:avLst/>
+          </a:prstGeom>
+          <a:solidFill>
+            <a:srgbClr val="FFFF99"/>
+          </a:solidFill>
+          <a:ln w="12700"/>
+        </p:spPr>
+        <p:style>
+          <a:lnRef idx="2">
+            <a:schemeClr val="accent4"/>
+          </a:lnRef>
+          <a:fillRef idx="1">
+            <a:schemeClr val="lt1"/>
+          </a:fillRef>
+          <a:effectRef idx="0">
+            <a:schemeClr val="accent4"/>
+          </a:effectRef>
+          <a:fontRef idx="minor">
+            <a:schemeClr val="dk1"/>
+          </a:fontRef>
+        </p:style>
+        <p:txBody>
+          <a:bodyPr wrap="square" rtlCol="0">
+            <a:spAutoFit/>
+          </a:bodyPr>
+          <a:lstStyle/>
+          <a:p>
+            <a:r>
+              <a:rPr lang="en-US" dirty="0"/>
+              <a:t>May lead to many issues.</a:t>
+            </a:r>
+          </a:p>
+          <a:p>
+            <a:r>
+              <a:rPr lang="en-US" dirty="0"/>
+              <a:t>Not allowed in CS1010.</a:t>
+            </a:r>
+          </a:p>
+        </p:txBody>
+      </p:sp>
+      <p:pic>
+        <p:nvPicPr>
+          <p:cNvPr id="16" name="Picture 15">
+            <a:extLst>
+              <a:ext uri="{FF2B5EF4-FFF2-40B4-BE49-F238E27FC236}">
+                <a16:creationId xmlns:a16="http://schemas.microsoft.com/office/drawing/2014/main" id="{1AA83BD7-4016-DB49-B6DC-C69FB6894961}"/>
+              </a:ext>
+            </a:extLst>
+          </p:cNvPr>
+          <p:cNvPicPr>
+            <a:picLocks noChangeAspect="1"/>
+          </p:cNvPicPr>
+          <p:nvPr/>
+        </p:nvPicPr>
+        <p:blipFill>
+          <a:blip r:embed="rId3" cstate="print">
+            <a:extLst>
+              <a:ext uri="{28A0092B-C50C-407E-A947-70E740481C1C}">
+                <a14:useLocalDpi xmlns:a14="http://schemas.microsoft.com/office/drawing/2010/main" val="0"/>
+              </a:ext>
+            </a:extLst>
+          </a:blip>
+          <a:stretch>
+            <a:fillRect/>
+          </a:stretch>
+        </p:blipFill>
+        <p:spPr>
+          <a:xfrm>
+            <a:off x="7199333" y="1704020"/>
+            <a:ext cx="362361" cy="490032"/>
+          </a:xfrm>
+          <a:prstGeom prst="rect">
+            <a:avLst/>
+          </a:prstGeom>
+        </p:spPr>
+      </p:pic>
     </p:spTree>
     <p:extLst>
       <p:ext uri="{BB962C8B-B14F-4D97-AF65-F5344CB8AC3E}">
@@ -14723,9 +15150,6 @@
                     <p:cTn id="3" fill="hold">
                       <p:stCondLst>
                         <p:cond delay="indefinite"/>
-                        <p:cond evt="onBegin" delay="0">
-                          <p:tn val="2"/>
-                        </p:cond>
                       </p:stCondLst>
                       <p:childTnLst>
                         <p:par>
@@ -14735,7 +15159,7 @@
                             </p:stCondLst>
                             <p:childTnLst>
                               <p:par>
-                                <p:cTn id="5" presetID="9" presetClass="entr" presetSubtype="0" fill="hold" nodeType="afterEffect">
+                                <p:cTn id="5" presetID="1" presetClass="entr" presetSubtype="0" fill="hold" nodeType="clickEffect">
                                   <p:stCondLst>
                                     <p:cond delay="0"/>
                                   </p:stCondLst>
@@ -14748,7 +15172,11 @@
                                           </p:stCondLst>
                                         </p:cTn>
                                         <p:tgtEl>
-                                          <p:spTgt spid="14"/>
+                                          <p:spTgt spid="10">
+                                            <p:txEl>
+                                              <p:pRg st="5" end="5"/>
+                                            </p:txEl>
+                                          </p:spTgt>
                                         </p:tgtEl>
                                         <p:attrNameLst>
                                           <p:attrName>style.visibility</p:attrName>
@@ -14758,28 +15186,38 @@
                                         <p:strVal val="visible"/>
                                       </p:to>
                                     </p:set>
-                                    <p:animEffect transition="in" filter="dissolve">
-                                      <p:cBhvr>
-                                        <p:cTn id="7" dur="500"/>
-                                        <p:tgtEl>
-                                          <p:spTgt spid="14"/>
-                                        </p:tgtEl>
-                                      </p:cBhvr>
-                                    </p:animEffect>
                                   </p:childTnLst>
                                 </p:cTn>
                               </p:par>
-                            </p:childTnLst>
-                          </p:cTn>
-                        </p:par>
-                        <p:par>
-                          <p:cTn id="8" fill="hold">
-                            <p:stCondLst>
-                              <p:cond delay="500"/>
-                            </p:stCondLst>
-                            <p:childTnLst>
                               <p:par>
-                                <p:cTn id="9" presetID="9" presetClass="entr" presetSubtype="0" fill="hold" nodeType="afterEffect">
+                                <p:cTn id="7" presetID="1" presetClass="entr" presetSubtype="0" fill="hold" grpId="0" nodeType="withEffect">
+                                  <p:stCondLst>
+                                    <p:cond delay="0"/>
+                                  </p:stCondLst>
+                                  <p:childTnLst>
+                                    <p:set>
+                                      <p:cBhvr>
+                                        <p:cTn id="8" dur="1" fill="hold">
+                                          <p:stCondLst>
+                                            <p:cond delay="0"/>
+                                          </p:stCondLst>
+                                        </p:cTn>
+                                        <p:tgtEl>
+                                          <p:spTgt spid="13"/>
+                                        </p:tgtEl>
+                                        <p:attrNameLst>
+                                          <p:attrName>style.visibility</p:attrName>
+                                        </p:attrNameLst>
+                                      </p:cBhvr>
+                                      <p:to>
+                                        <p:strVal val="visible"/>
+                                      </p:to>
+                                    </p:set>
+                                  </p:childTnLst>
+                                </p:cTn>
+                              </p:par>
+                              <p:par>
+                                <p:cTn id="9" presetID="1" presetClass="entr" presetSubtype="0" fill="hold" nodeType="withEffect">
                                   <p:stCondLst>
                                     <p:cond delay="0"/>
                                   </p:stCondLst>
@@ -14802,14 +15240,6 @@
                                         <p:strVal val="visible"/>
                                       </p:to>
                                     </p:set>
-                                    <p:animEffect transition="in" filter="dissolve">
-                                      <p:cBhvr>
-                                        <p:cTn id="11" dur="500"/>
-                                        <p:tgtEl>
-                                          <p:spTgt spid="15"/>
-                                        </p:tgtEl>
-                                      </p:cBhvr>
-                                    </p:animEffect>
                                   </p:childTnLst>
                                 </p:cTn>
                               </p:par>
@@ -14840,6 +15270,9 @@
         </p:cTn>
       </p:par>
     </p:tnLst>
+    <p:bldLst>
+      <p:bldP spid="13" grpId="0" animBg="1"/>
+    </p:bldLst>
   </p:timing>
 </p:sld>
 </file>
@@ -15489,7 +15922,7 @@
           <a:lstStyle/>
           <a:p>
             <a:r>
-              <a:rPr lang="en-US" b="1">
+              <a:rPr lang="en-US" b="1" dirty="0">
                 <a:solidFill>
                   <a:srgbClr val="C00000"/>
                 </a:solidFill>
@@ -15513,7 +15946,7 @@
         </p:nvSpPr>
         <p:spPr>
           <a:xfrm>
-            <a:off x="1781502" y="5152489"/>
+            <a:off x="1781502" y="5261349"/>
             <a:ext cx="2357362" cy="369332"/>
           </a:xfrm>
           <a:prstGeom prst="rect">
@@ -15592,7 +16025,7 @@
         </p:nvSpPr>
         <p:spPr>
           <a:xfrm>
-            <a:off x="4010967" y="4687841"/>
+            <a:off x="4010967" y="4796701"/>
             <a:ext cx="3016469" cy="646331"/>
           </a:xfrm>
           <a:prstGeom prst="rect">
@@ -15742,9 +16175,6 @@
                     <p:cTn id="3" fill="hold">
                       <p:stCondLst>
                         <p:cond delay="indefinite"/>
-                        <p:cond evt="onBegin" delay="0">
-                          <p:tn val="2"/>
-                        </p:cond>
                       </p:stCondLst>
                       <p:childTnLst>
                         <p:par>
@@ -15754,7 +16184,7 @@
                             </p:stCondLst>
                             <p:childTnLst>
                               <p:par>
-                                <p:cTn id="5" presetID="9" presetClass="entr" presetSubtype="0" fill="hold" grpId="0" nodeType="afterEffect">
+                                <p:cTn id="5" presetID="1" presetClass="entr" presetSubtype="0" fill="hold" nodeType="clickEffect">
                                   <p:stCondLst>
                                     <p:cond delay="0"/>
                                   </p:stCondLst>
@@ -15767,7 +16197,7 @@
                                           </p:stCondLst>
                                         </p:cTn>
                                         <p:tgtEl>
-                                          <p:spTgt spid="7">
+                                          <p:spTgt spid="11">
                                             <p:txEl>
                                               <p:pRg st="0" end="0"/>
                                             </p:txEl>
@@ -15781,322 +16211,18 @@
                                         <p:strVal val="visible"/>
                                       </p:to>
                                     </p:set>
-                                    <p:animEffect transition="in" filter="dissolve">
-                                      <p:cBhvr>
-                                        <p:cTn id="7" dur="500"/>
-                                        <p:tgtEl>
-                                          <p:spTgt spid="7">
-                                            <p:txEl>
-                                              <p:pRg st="0" end="0"/>
-                                            </p:txEl>
-                                          </p:spTgt>
-                                        </p:tgtEl>
-                                      </p:cBhvr>
-                                    </p:animEffect>
                                   </p:childTnLst>
                                 </p:cTn>
                               </p:par>
                               <p:par>
-                                <p:cTn id="8" presetID="9" presetClass="entr" presetSubtype="0" fill="hold" grpId="0" nodeType="withEffect">
+                                <p:cTn id="7" presetID="9" presetClass="entr" presetSubtype="0" fill="hold" grpId="0" nodeType="withEffect">
                                   <p:stCondLst>
                                     <p:cond delay="0"/>
                                   </p:stCondLst>
                                   <p:childTnLst>
                                     <p:set>
                                       <p:cBhvr>
-                                        <p:cTn id="9" dur="1" fill="hold">
-                                          <p:stCondLst>
-                                            <p:cond delay="0"/>
-                                          </p:stCondLst>
-                                        </p:cTn>
-                                        <p:tgtEl>
-                                          <p:spTgt spid="7">
-                                            <p:txEl>
-                                              <p:pRg st="1" end="1"/>
-                                            </p:txEl>
-                                          </p:spTgt>
-                                        </p:tgtEl>
-                                        <p:attrNameLst>
-                                          <p:attrName>style.visibility</p:attrName>
-                                        </p:attrNameLst>
-                                      </p:cBhvr>
-                                      <p:to>
-                                        <p:strVal val="visible"/>
-                                      </p:to>
-                                    </p:set>
-                                    <p:animEffect transition="in" filter="dissolve">
-                                      <p:cBhvr>
-                                        <p:cTn id="10" dur="500"/>
-                                        <p:tgtEl>
-                                          <p:spTgt spid="7">
-                                            <p:txEl>
-                                              <p:pRg st="1" end="1"/>
-                                            </p:txEl>
-                                          </p:spTgt>
-                                        </p:tgtEl>
-                                      </p:cBhvr>
-                                    </p:animEffect>
-                                  </p:childTnLst>
-                                </p:cTn>
-                              </p:par>
-                            </p:childTnLst>
-                          </p:cTn>
-                        </p:par>
-                        <p:par>
-                          <p:cTn id="11" fill="hold">
-                            <p:stCondLst>
-                              <p:cond delay="500"/>
-                            </p:stCondLst>
-                            <p:childTnLst>
-                              <p:par>
-                                <p:cTn id="12" presetID="9" presetClass="entr" presetSubtype="0" fill="hold" grpId="0" nodeType="afterEffect">
-                                  <p:stCondLst>
-                                    <p:cond delay="0"/>
-                                  </p:stCondLst>
-                                  <p:childTnLst>
-                                    <p:set>
-                                      <p:cBhvr>
-                                        <p:cTn id="13" dur="1" fill="hold">
-                                          <p:stCondLst>
-                                            <p:cond delay="0"/>
-                                          </p:stCondLst>
-                                        </p:cTn>
-                                        <p:tgtEl>
-                                          <p:spTgt spid="8"/>
-                                        </p:tgtEl>
-                                        <p:attrNameLst>
-                                          <p:attrName>style.visibility</p:attrName>
-                                        </p:attrNameLst>
-                                      </p:cBhvr>
-                                      <p:to>
-                                        <p:strVal val="visible"/>
-                                      </p:to>
-                                    </p:set>
-                                    <p:animEffect transition="in" filter="dissolve">
-                                      <p:cBhvr>
-                                        <p:cTn id="14" dur="500"/>
-                                        <p:tgtEl>
-                                          <p:spTgt spid="8"/>
-                                        </p:tgtEl>
-                                      </p:cBhvr>
-                                    </p:animEffect>
-                                  </p:childTnLst>
-                                </p:cTn>
-                              </p:par>
-                            </p:childTnLst>
-                          </p:cTn>
-                        </p:par>
-                        <p:par>
-                          <p:cTn id="15" fill="hold">
-                            <p:stCondLst>
-                              <p:cond delay="1000"/>
-                            </p:stCondLst>
-                            <p:childTnLst>
-                              <p:par>
-                                <p:cTn id="16" presetID="9" presetClass="entr" presetSubtype="0" fill="hold" grpId="0" nodeType="afterEffect">
-                                  <p:stCondLst>
-                                    <p:cond delay="0"/>
-                                  </p:stCondLst>
-                                  <p:childTnLst>
-                                    <p:set>
-                                      <p:cBhvr>
-                                        <p:cTn id="17" dur="1" fill="hold">
-                                          <p:stCondLst>
-                                            <p:cond delay="0"/>
-                                          </p:stCondLst>
-                                        </p:cTn>
-                                        <p:tgtEl>
-                                          <p:spTgt spid="16"/>
-                                        </p:tgtEl>
-                                        <p:attrNameLst>
-                                          <p:attrName>style.visibility</p:attrName>
-                                        </p:attrNameLst>
-                                      </p:cBhvr>
-                                      <p:to>
-                                        <p:strVal val="visible"/>
-                                      </p:to>
-                                    </p:set>
-                                    <p:animEffect transition="in" filter="dissolve">
-                                      <p:cBhvr>
-                                        <p:cTn id="18" dur="500"/>
-                                        <p:tgtEl>
-                                          <p:spTgt spid="16"/>
-                                        </p:tgtEl>
-                                      </p:cBhvr>
-                                    </p:animEffect>
-                                  </p:childTnLst>
-                                </p:cTn>
-                              </p:par>
-                            </p:childTnLst>
-                          </p:cTn>
-                        </p:par>
-                      </p:childTnLst>
-                    </p:cTn>
-                  </p:par>
-                  <p:par>
-                    <p:cTn id="19" fill="hold">
-                      <p:stCondLst>
-                        <p:cond delay="indefinite"/>
-                      </p:stCondLst>
-                      <p:childTnLst>
-                        <p:par>
-                          <p:cTn id="20" fill="hold">
-                            <p:stCondLst>
-                              <p:cond delay="0"/>
-                            </p:stCondLst>
-                            <p:childTnLst>
-                              <p:par>
-                                <p:cTn id="21" presetID="55" presetClass="entr" presetSubtype="0" fill="hold" grpId="0" nodeType="clickEffect">
-                                  <p:stCondLst>
-                                    <p:cond delay="0"/>
-                                  </p:stCondLst>
-                                  <p:childTnLst>
-                                    <p:set>
-                                      <p:cBhvr>
-                                        <p:cTn id="22" dur="1" fill="hold">
-                                          <p:stCondLst>
-                                            <p:cond delay="0"/>
-                                          </p:stCondLst>
-                                        </p:cTn>
-                                        <p:tgtEl>
-                                          <p:spTgt spid="4"/>
-                                        </p:tgtEl>
-                                        <p:attrNameLst>
-                                          <p:attrName>style.visibility</p:attrName>
-                                        </p:attrNameLst>
-                                      </p:cBhvr>
-                                      <p:to>
-                                        <p:strVal val="visible"/>
-                                      </p:to>
-                                    </p:set>
-                                    <p:anim calcmode="lin" valueType="num">
-                                      <p:cBhvr>
-                                        <p:cTn id="23" dur="1000" fill="hold"/>
-                                        <p:tgtEl>
-                                          <p:spTgt spid="4"/>
-                                        </p:tgtEl>
-                                        <p:attrNameLst>
-                                          <p:attrName>ppt_w</p:attrName>
-                                        </p:attrNameLst>
-                                      </p:cBhvr>
-                                      <p:tavLst>
-                                        <p:tav tm="0">
-                                          <p:val>
-                                            <p:strVal val="#ppt_w*0.70"/>
-                                          </p:val>
-                                        </p:tav>
-                                        <p:tav tm="100000">
-                                          <p:val>
-                                            <p:strVal val="#ppt_w"/>
-                                          </p:val>
-                                        </p:tav>
-                                      </p:tavLst>
-                                    </p:anim>
-                                    <p:anim calcmode="lin" valueType="num">
-                                      <p:cBhvr>
-                                        <p:cTn id="24" dur="1000" fill="hold"/>
-                                        <p:tgtEl>
-                                          <p:spTgt spid="4"/>
-                                        </p:tgtEl>
-                                        <p:attrNameLst>
-                                          <p:attrName>ppt_h</p:attrName>
-                                        </p:attrNameLst>
-                                      </p:cBhvr>
-                                      <p:tavLst>
-                                        <p:tav tm="0">
-                                          <p:val>
-                                            <p:strVal val="#ppt_h"/>
-                                          </p:val>
-                                        </p:tav>
-                                        <p:tav tm="100000">
-                                          <p:val>
-                                            <p:strVal val="#ppt_h"/>
-                                          </p:val>
-                                        </p:tav>
-                                      </p:tavLst>
-                                    </p:anim>
-                                    <p:animEffect transition="in" filter="fade">
-                                      <p:cBhvr>
-                                        <p:cTn id="25" dur="1000"/>
-                                        <p:tgtEl>
-                                          <p:spTgt spid="4"/>
-                                        </p:tgtEl>
-                                      </p:cBhvr>
-                                    </p:animEffect>
-                                  </p:childTnLst>
-                                </p:cTn>
-                              </p:par>
-                            </p:childTnLst>
-                          </p:cTn>
-                        </p:par>
-                      </p:childTnLst>
-                    </p:cTn>
-                  </p:par>
-                  <p:par>
-                    <p:cTn id="26" fill="hold">
-                      <p:stCondLst>
-                        <p:cond delay="indefinite"/>
-                      </p:stCondLst>
-                      <p:childTnLst>
-                        <p:par>
-                          <p:cTn id="27" fill="hold">
-                            <p:stCondLst>
-                              <p:cond delay="0"/>
-                            </p:stCondLst>
-                            <p:childTnLst>
-                              <p:par>
-                                <p:cTn id="28" presetID="9" presetClass="entr" presetSubtype="0" fill="hold" grpId="0" nodeType="clickEffect">
-                                  <p:stCondLst>
-                                    <p:cond delay="0"/>
-                                  </p:stCondLst>
-                                  <p:childTnLst>
-                                    <p:set>
-                                      <p:cBhvr>
-                                        <p:cTn id="29" dur="1" fill="hold">
-                                          <p:stCondLst>
-                                            <p:cond delay="0"/>
-                                          </p:stCondLst>
-                                        </p:cTn>
-                                        <p:tgtEl>
-                                          <p:spTgt spid="11"/>
-                                        </p:tgtEl>
-                                        <p:attrNameLst>
-                                          <p:attrName>style.visibility</p:attrName>
-                                        </p:attrNameLst>
-                                      </p:cBhvr>
-                                      <p:to>
-                                        <p:strVal val="visible"/>
-                                      </p:to>
-                                    </p:set>
-                                    <p:animEffect transition="in" filter="dissolve">
-                                      <p:cBhvr>
-                                        <p:cTn id="30" dur="500"/>
-                                        <p:tgtEl>
-                                          <p:spTgt spid="11"/>
-                                        </p:tgtEl>
-                                      </p:cBhvr>
-                                    </p:animEffect>
-                                  </p:childTnLst>
-                                </p:cTn>
-                              </p:par>
-                            </p:childTnLst>
-                          </p:cTn>
-                        </p:par>
-                        <p:par>
-                          <p:cTn id="31" fill="hold">
-                            <p:stCondLst>
-                              <p:cond delay="500"/>
-                            </p:stCondLst>
-                            <p:childTnLst>
-                              <p:par>
-                                <p:cTn id="32" presetID="9" presetClass="entr" presetSubtype="0" fill="hold" grpId="0" nodeType="afterEffect">
-                                  <p:stCondLst>
-                                    <p:cond delay="0"/>
-                                  </p:stCondLst>
-                                  <p:childTnLst>
-                                    <p:set>
-                                      <p:cBhvr>
-                                        <p:cTn id="33" dur="1" fill="hold">
+                                        <p:cTn id="8" dur="1" fill="hold">
                                           <p:stCondLst>
                                             <p:cond delay="0"/>
                                           </p:stCondLst>
@@ -16114,7 +16240,7 @@
                                     </p:set>
                                     <p:animEffect transition="in" filter="dissolve">
                                       <p:cBhvr>
-                                        <p:cTn id="34" dur="500"/>
+                                        <p:cTn id="9" dur="500"/>
                                         <p:tgtEl>
                                           <p:spTgt spid="10"/>
                                         </p:tgtEl>
@@ -16126,21 +16252,61 @@
                             </p:childTnLst>
                           </p:cTn>
                         </p:par>
+                      </p:childTnLst>
+                    </p:cTn>
+                  </p:par>
+                  <p:par>
+                    <p:cTn id="10" fill="hold">
+                      <p:stCondLst>
+                        <p:cond delay="indefinite"/>
+                      </p:stCondLst>
+                      <p:childTnLst>
                         <p:par>
-                          <p:cTn id="35" fill="hold">
+                          <p:cTn id="11" fill="hold">
                             <p:stCondLst>
-                              <p:cond delay="1000"/>
+                              <p:cond delay="0"/>
                             </p:stCondLst>
                             <p:childTnLst>
                               <p:par>
-                                <p:cTn id="36" presetID="9" presetClass="entr" presetSubtype="0" fill="hold" grpId="0" nodeType="afterEffect">
+                                <p:cTn id="12" presetID="1" presetClass="entr" presetSubtype="0" fill="hold" nodeType="clickEffect">
                                   <p:stCondLst>
                                     <p:cond delay="0"/>
                                   </p:stCondLst>
                                   <p:childTnLst>
                                     <p:set>
                                       <p:cBhvr>
-                                        <p:cTn id="37" dur="1" fill="hold">
+                                        <p:cTn id="13" dur="1" fill="hold">
+                                          <p:stCondLst>
+                                            <p:cond delay="0"/>
+                                          </p:stCondLst>
+                                        </p:cTn>
+                                        <p:tgtEl>
+                                          <p:spTgt spid="11">
+                                            <p:txEl>
+                                              <p:pRg st="3" end="3"/>
+                                            </p:txEl>
+                                          </p:spTgt>
+                                        </p:tgtEl>
+                                        <p:attrNameLst>
+                                          <p:attrName>style.visibility</p:attrName>
+                                        </p:attrNameLst>
+                                      </p:cBhvr>
+                                      <p:to>
+                                        <p:strVal val="visible"/>
+                                      </p:to>
+                                    </p:set>
+                                  </p:childTnLst>
+                                </p:cTn>
+                              </p:par>
+                              <p:par>
+                                <p:cTn id="14" presetID="9" presetClass="entr" presetSubtype="0" fill="hold" grpId="0" nodeType="withEffect">
+                                  <p:stCondLst>
+                                    <p:cond delay="0"/>
+                                  </p:stCondLst>
+                                  <p:childTnLst>
+                                    <p:set>
+                                      <p:cBhvr>
+                                        <p:cTn id="15" dur="1" fill="hold">
                                           <p:stCondLst>
                                             <p:cond delay="0"/>
                                           </p:stCondLst>
@@ -16158,7 +16324,7 @@
                                     </p:set>
                                     <p:animEffect transition="in" filter="dissolve">
                                       <p:cBhvr>
-                                        <p:cTn id="38" dur="500"/>
+                                        <p:cTn id="16" dur="500"/>
                                         <p:tgtEl>
                                           <p:spTgt spid="12"/>
                                         </p:tgtEl>
@@ -16167,24 +16333,15 @@
                                   </p:childTnLst>
                                 </p:cTn>
                               </p:par>
-                            </p:childTnLst>
-                          </p:cTn>
-                        </p:par>
-                        <p:par>
-                          <p:cTn id="39" fill="hold">
-                            <p:stCondLst>
-                              <p:cond delay="1500"/>
-                            </p:stCondLst>
-                            <p:childTnLst>
                               <p:par>
-                                <p:cTn id="40" presetID="9" presetClass="entr" presetSubtype="0" fill="hold" grpId="0" nodeType="afterEffect">
+                                <p:cTn id="17" presetID="9" presetClass="entr" presetSubtype="0" fill="hold" grpId="0" nodeType="withEffect">
                                   <p:stCondLst>
                                     <p:cond delay="0"/>
                                   </p:stCondLst>
                                   <p:childTnLst>
                                     <p:set>
                                       <p:cBhvr>
-                                        <p:cTn id="41" dur="1" fill="hold">
+                                        <p:cTn id="18" dur="1" fill="hold">
                                           <p:stCondLst>
                                             <p:cond delay="0"/>
                                           </p:stCondLst>
@@ -16202,7 +16359,7 @@
                                     </p:set>
                                     <p:animEffect transition="in" filter="dissolve">
                                       <p:cBhvr>
-                                        <p:cTn id="42" dur="500"/>
+                                        <p:cTn id="19" dur="500"/>
                                         <p:tgtEl>
                                           <p:spTgt spid="13"/>
                                         </p:tgtEl>
@@ -16211,24 +16368,15 @@
                                   </p:childTnLst>
                                 </p:cTn>
                               </p:par>
-                            </p:childTnLst>
-                          </p:cTn>
-                        </p:par>
-                        <p:par>
-                          <p:cTn id="43" fill="hold">
-                            <p:stCondLst>
-                              <p:cond delay="2000"/>
-                            </p:stCondLst>
-                            <p:childTnLst>
                               <p:par>
-                                <p:cTn id="44" presetID="9" presetClass="entr" presetSubtype="0" fill="hold" grpId="0" nodeType="afterEffect">
+                                <p:cTn id="20" presetID="9" presetClass="entr" presetSubtype="0" fill="hold" grpId="0" nodeType="withEffect">
                                   <p:stCondLst>
                                     <p:cond delay="0"/>
                                   </p:stCondLst>
                                   <p:childTnLst>
                                     <p:set>
                                       <p:cBhvr>
-                                        <p:cTn id="45" dur="1" fill="hold">
+                                        <p:cTn id="21" dur="1" fill="hold">
                                           <p:stCondLst>
                                             <p:cond delay="0"/>
                                           </p:stCondLst>
@@ -16246,7 +16394,7 @@
                                     </p:set>
                                     <p:animEffect transition="in" filter="dissolve">
                                       <p:cBhvr>
-                                        <p:cTn id="46" dur="500"/>
+                                        <p:cTn id="22" dur="500"/>
                                         <p:tgtEl>
                                           <p:spTgt spid="15"/>
                                         </p:tgtEl>
@@ -16283,12 +16431,7 @@
       </p:par>
     </p:tnLst>
     <p:bldLst>
-      <p:bldP spid="11" grpId="0"/>
-      <p:bldP spid="7" grpId="0" build="p"/>
-      <p:bldP spid="8" grpId="0" animBg="1"/>
       <p:bldP spid="10" grpId="0" animBg="1"/>
-      <p:bldP spid="16" grpId="0" animBg="1"/>
-      <p:bldP spid="4" grpId="0" animBg="1"/>
       <p:bldP spid="12" grpId="0" animBg="1"/>
       <p:bldP spid="13" grpId="0" animBg="1"/>
       <p:bldP spid="15" grpId="0" animBg="1"/>

--- a/slides/Unit5_First C Program.pptx
+++ b/slides/Unit5_First C Program.pptx
@@ -181,12 +181,20 @@
 </p:presentation>
 </file>
 
+<file path=ppt/revisionInfo.xml><?xml version="1.0" encoding="utf-8"?>
+<p1510:revInfo xmlns:a="http://schemas.openxmlformats.org/drawingml/2006/main" xmlns:r="http://schemas.openxmlformats.org/officeDocument/2006/relationships" xmlns:p1510="http://schemas.microsoft.com/office/powerpoint/2015/10/main">
+  <p1510:revLst>
+    <p1510:client id="{3342749F-A4A3-4CC6-8E89-A279285BF1FF}" v="43" dt="2021-01-25T08:18:19.440"/>
+  </p1510:revLst>
+</p1510:revInfo>
+</file>
+
 <file path=ppt/changesInfos/changesInfo1.xml><?xml version="1.0" encoding="utf-8"?>
 <pc:chgInfo xmlns:a="http://schemas.openxmlformats.org/drawingml/2006/main" xmlns:r="http://schemas.openxmlformats.org/officeDocument/2006/relationships" xmlns:ac="http://schemas.microsoft.com/office/drawing/2013/main/command" xmlns:pc="http://schemas.microsoft.com/office/powerpoint/2013/main/command">
   <pc:docChgLst>
     <pc:chgData name="Zhao Jin" userId="cd05a825-544c-438a-9ba1-08e63db50b47" providerId="ADAL" clId="{3342749F-A4A3-4CC6-8E89-A279285BF1FF}"/>
     <pc:docChg chg="undo custSel addSld delSld modSld sldOrd">
-      <pc:chgData name="Zhao Jin" userId="cd05a825-544c-438a-9ba1-08e63db50b47" providerId="ADAL" clId="{3342749F-A4A3-4CC6-8E89-A279285BF1FF}" dt="2021-01-25T05:04:08.003" v="5348" actId="20577"/>
+      <pc:chgData name="Zhao Jin" userId="cd05a825-544c-438a-9ba1-08e63db50b47" providerId="ADAL" clId="{3342749F-A4A3-4CC6-8E89-A279285BF1FF}" dt="2021-01-25T08:18:19.440" v="5414" actId="20577"/>
       <pc:docMkLst>
         <pc:docMk/>
       </pc:docMkLst>
@@ -910,7 +918,7 @@
         </pc:sldMkLst>
       </pc:sldChg>
       <pc:sldChg chg="addSp delSp modSp add mod ord modAnim">
-        <pc:chgData name="Zhao Jin" userId="cd05a825-544c-438a-9ba1-08e63db50b47" providerId="ADAL" clId="{3342749F-A4A3-4CC6-8E89-A279285BF1FF}" dt="2021-01-21T13:06:43.029" v="4595" actId="5793"/>
+        <pc:chgData name="Zhao Jin" userId="cd05a825-544c-438a-9ba1-08e63db50b47" providerId="ADAL" clId="{3342749F-A4A3-4CC6-8E89-A279285BF1FF}" dt="2021-01-25T08:18:19.440" v="5414" actId="20577"/>
         <pc:sldMkLst>
           <pc:docMk/>
           <pc:sldMk cId="3394924879" sldId="549"/>
@@ -948,7 +956,7 @@
           </ac:spMkLst>
         </pc:spChg>
         <pc:spChg chg="add mod">
-          <ac:chgData name="Zhao Jin" userId="cd05a825-544c-438a-9ba1-08e63db50b47" providerId="ADAL" clId="{3342749F-A4A3-4CC6-8E89-A279285BF1FF}" dt="2021-01-21T13:06:43.029" v="4595" actId="5793"/>
+          <ac:chgData name="Zhao Jin" userId="cd05a825-544c-438a-9ba1-08e63db50b47" providerId="ADAL" clId="{3342749F-A4A3-4CC6-8E89-A279285BF1FF}" dt="2021-01-25T08:18:11.509" v="5398" actId="6549"/>
           <ac:spMkLst>
             <pc:docMk/>
             <pc:sldMk cId="3394924879" sldId="549"/>
@@ -956,7 +964,7 @@
           </ac:spMkLst>
         </pc:spChg>
         <pc:spChg chg="add mod">
-          <ac:chgData name="Zhao Jin" userId="cd05a825-544c-438a-9ba1-08e63db50b47" providerId="ADAL" clId="{3342749F-A4A3-4CC6-8E89-A279285BF1FF}" dt="2021-01-21T12:19:56.116" v="2341" actId="1076"/>
+          <ac:chgData name="Zhao Jin" userId="cd05a825-544c-438a-9ba1-08e63db50b47" providerId="ADAL" clId="{3342749F-A4A3-4CC6-8E89-A279285BF1FF}" dt="2021-01-25T08:18:19.440" v="5414" actId="20577"/>
           <ac:spMkLst>
             <pc:docMk/>
             <pc:sldMk cId="3394924879" sldId="549"/>
@@ -988,7 +996,7 @@
           </ac:picMkLst>
         </pc:picChg>
         <pc:picChg chg="add mod">
-          <ac:chgData name="Zhao Jin" userId="cd05a825-544c-438a-9ba1-08e63db50b47" providerId="ADAL" clId="{3342749F-A4A3-4CC6-8E89-A279285BF1FF}" dt="2021-01-21T12:21:58.582" v="2381" actId="1076"/>
+          <ac:chgData name="Zhao Jin" userId="cd05a825-544c-438a-9ba1-08e63db50b47" providerId="ADAL" clId="{3342749F-A4A3-4CC6-8E89-A279285BF1FF}" dt="2021-01-25T08:18:06.544" v="5392" actId="1038"/>
           <ac:picMkLst>
             <pc:docMk/>
             <pc:sldMk cId="3394924879" sldId="549"/>
@@ -14446,7 +14454,7 @@
                 <a:latin typeface="Courier New" panose="02070309020205020404" pitchFamily="49" charset="0"/>
                 <a:cs typeface="Courier New" panose="02070309020205020404" pitchFamily="49" charset="0"/>
               </a:rPr>
-              <a:t>i</a:t>
+              <a:t>long</a:t>
             </a:r>
             <a:r>
               <a:rPr lang="en-US" b="1" i="0" dirty="0">
@@ -14457,7 +14465,7 @@
                 <a:latin typeface="Courier New" panose="02070309020205020404" pitchFamily="49" charset="0"/>
                 <a:cs typeface="Courier New" panose="02070309020205020404" pitchFamily="49" charset="0"/>
               </a:rPr>
-              <a:t>nt </a:t>
+              <a:t> </a:t>
             </a:r>
             <a:r>
               <a:rPr lang="en-US" b="1" i="0" dirty="0" err="1">
@@ -14661,7 +14669,7 @@
         <p:spPr>
           <a:xfrm>
             <a:off x="865337" y="4529328"/>
-            <a:ext cx="6515177" cy="2031325"/>
+            <a:ext cx="6696357" cy="2031325"/>
           </a:xfrm>
           <a:prstGeom prst="rect">
             <a:avLst/>
@@ -14805,18 +14813,28 @@
                 <a:latin typeface="Courier New" panose="02070309020205020404" pitchFamily="49" charset="0"/>
                 <a:cs typeface="Courier New" panose="02070309020205020404" pitchFamily="49" charset="0"/>
               </a:rPr>
-              <a:t>    i</a:t>
-            </a:r>
-            <a:r>
-              <a:rPr lang="en-US" b="1" i="0" dirty="0">
+              <a:t>    </a:t>
+            </a:r>
+            <a:r>
+              <a:rPr lang="en-US" altLang="zh-CN" b="1" dirty="0">
                 <a:solidFill>
                   <a:srgbClr val="0000FF"/>
                 </a:solidFill>
-                <a:effectLst/>
-                <a:latin typeface="Courier New" panose="02070309020205020404" pitchFamily="49" charset="0"/>
-                <a:cs typeface="Courier New" panose="02070309020205020404" pitchFamily="49" charset="0"/>
-              </a:rPr>
-              <a:t>nt </a:t>
+                <a:latin typeface="Courier New" panose="02070309020205020404" pitchFamily="49" charset="0"/>
+                <a:cs typeface="Courier New" panose="02070309020205020404" pitchFamily="49" charset="0"/>
+              </a:rPr>
+              <a:t>long</a:t>
+            </a:r>
+            <a:r>
+              <a:rPr lang="en-US" b="1" i="0" dirty="0">
+                <a:solidFill>
+                  <a:srgbClr val="0000FF"/>
+                </a:solidFill>
+                <a:effectLst/>
+                <a:latin typeface="Courier New" panose="02070309020205020404" pitchFamily="49" charset="0"/>
+                <a:cs typeface="Courier New" panose="02070309020205020404" pitchFamily="49" charset="0"/>
+              </a:rPr>
+              <a:t> </a:t>
             </a:r>
             <a:r>
               <a:rPr lang="en-US" b="1" i="0" dirty="0" err="1">
@@ -14915,18 +14933,7 @@
                 <a:latin typeface="Courier New" panose="02070309020205020404" pitchFamily="49" charset="0"/>
                 <a:cs typeface="Courier New" panose="02070309020205020404" pitchFamily="49" charset="0"/>
               </a:rPr>
-              <a:t>i</a:t>
-            </a:r>
-            <a:r>
-              <a:rPr lang="en-US" b="1" i="0" dirty="0">
-                <a:solidFill>
-                  <a:srgbClr val="0000FF"/>
-                </a:solidFill>
-                <a:effectLst/>
-                <a:latin typeface="Courier New" panose="02070309020205020404" pitchFamily="49" charset="0"/>
-                <a:cs typeface="Courier New" panose="02070309020205020404" pitchFamily="49" charset="0"/>
-              </a:rPr>
-              <a:t>nt </a:t>
+              <a:t>long </a:t>
             </a:r>
             <a:r>
               <a:rPr lang="en-US" b="1" i="0" dirty="0" err="1">
@@ -15023,7 +15030,7 @@
         </p:blipFill>
         <p:spPr>
           <a:xfrm>
-            <a:off x="7181439" y="5544990"/>
+            <a:off x="7450946" y="5544990"/>
             <a:ext cx="362361" cy="490032"/>
           </a:xfrm>
           <a:prstGeom prst="rect">

--- a/slides/Unit5_First C Program.pptx
+++ b/slides/Unit5_First C Program.pptx
@@ -179,14 +179,6 @@
     </p:ext>
   </p:extLst>
 </p:presentation>
-</file>
-
-<file path=ppt/revisionInfo.xml><?xml version="1.0" encoding="utf-8"?>
-<p1510:revInfo xmlns:a="http://schemas.openxmlformats.org/drawingml/2006/main" xmlns:r="http://schemas.openxmlformats.org/officeDocument/2006/relationships" xmlns:p1510="http://schemas.microsoft.com/office/powerpoint/2015/10/main">
-  <p1510:revLst>
-    <p1510:client id="{3342749F-A4A3-4CC6-8E89-A279285BF1FF}" v="43" dt="2021-01-25T08:18:19.440"/>
-  </p1510:revLst>
-</p1510:revInfo>
 </file>
 
 <file path=ppt/changesInfos/changesInfo1.xml><?xml version="1.0" encoding="utf-8"?>
@@ -1228,40 +1220,79 @@
   <pc:docChgLst>
     <pc:chgData name="Zhao Jin" userId="cd05a825-544c-438a-9ba1-08e63db50b47" providerId="ADAL" clId="{CD38D953-E846-244A-835A-192CE52710D4}"/>
     <pc:docChg chg="undo custSel addSld delSld modSld">
-      <pc:chgData name="Zhao Jin" userId="cd05a825-544c-438a-9ba1-08e63db50b47" providerId="ADAL" clId="{CD38D953-E846-244A-835A-192CE52710D4}" dt="2021-01-25T03:26:17.801" v="482" actId="20577"/>
+      <pc:chgData name="Zhao Jin" userId="cd05a825-544c-438a-9ba1-08e63db50b47" providerId="ADAL" clId="{CD38D953-E846-244A-835A-192CE52710D4}" dt="2021-01-27T04:40:29.351" v="515"/>
       <pc:docMkLst>
         <pc:docMk/>
       </pc:docMkLst>
-      <pc:sldChg chg="modSp addAnim delAnim modAnim">
-        <pc:chgData name="Zhao Jin" userId="cd05a825-544c-438a-9ba1-08e63db50b47" providerId="ADAL" clId="{CD38D953-E846-244A-835A-192CE52710D4}" dt="2021-01-25T03:18:14.928" v="172"/>
+      <pc:sldChg chg="addSp delSp modSp del addAnim delAnim modAnim">
+        <pc:chgData name="Zhao Jin" userId="cd05a825-544c-438a-9ba1-08e63db50b47" providerId="ADAL" clId="{CD38D953-E846-244A-835A-192CE52710D4}" dt="2021-01-27T04:40:24.595" v="514" actId="2696"/>
         <pc:sldMkLst>
           <pc:docMk/>
           <pc:sldMk cId="1311126165" sldId="485"/>
         </pc:sldMkLst>
-        <pc:spChg chg="mod">
-          <ac:chgData name="Zhao Jin" userId="cd05a825-544c-438a-9ba1-08e63db50b47" providerId="ADAL" clId="{CD38D953-E846-244A-835A-192CE52710D4}" dt="2021-01-25T03:16:30.240" v="159" actId="20577"/>
+        <pc:spChg chg="add del">
+          <ac:chgData name="Zhao Jin" userId="cd05a825-544c-438a-9ba1-08e63db50b47" providerId="ADAL" clId="{CD38D953-E846-244A-835A-192CE52710D4}" dt="2021-01-27T04:40:15.601" v="509" actId="478"/>
+          <ac:spMkLst>
+            <pc:docMk/>
+            <pc:sldMk cId="1311126165" sldId="485"/>
+            <ac:spMk id="4" creationId="{00000000-0000-0000-0000-000000000000}"/>
+          </ac:spMkLst>
+        </pc:spChg>
+        <pc:spChg chg="del">
+          <ac:chgData name="Zhao Jin" userId="cd05a825-544c-438a-9ba1-08e63db50b47" providerId="ADAL" clId="{CD38D953-E846-244A-835A-192CE52710D4}" dt="2021-01-27T04:39:58.922" v="491" actId="478"/>
+          <ac:spMkLst>
+            <pc:docMk/>
+            <pc:sldMk cId="1311126165" sldId="485"/>
+            <ac:spMk id="10" creationId="{00000000-0000-0000-0000-000000000000}"/>
+          </ac:spMkLst>
+        </pc:spChg>
+        <pc:spChg chg="del mod">
+          <ac:chgData name="Zhao Jin" userId="cd05a825-544c-438a-9ba1-08e63db50b47" providerId="ADAL" clId="{CD38D953-E846-244A-835A-192CE52710D4}" dt="2021-01-27T04:39:58.922" v="491" actId="478"/>
           <ac:spMkLst>
             <pc:docMk/>
             <pc:sldMk cId="1311126165" sldId="485"/>
             <ac:spMk id="11" creationId="{00000000-0000-0000-0000-000000000000}"/>
           </ac:spMkLst>
         </pc:spChg>
-        <pc:spChg chg="mod">
-          <ac:chgData name="Zhao Jin" userId="cd05a825-544c-438a-9ba1-08e63db50b47" providerId="ADAL" clId="{CD38D953-E846-244A-835A-192CE52710D4}" dt="2021-01-25T03:16:24.406" v="157" actId="1036"/>
+        <pc:spChg chg="del mod">
+          <ac:chgData name="Zhao Jin" userId="cd05a825-544c-438a-9ba1-08e63db50b47" providerId="ADAL" clId="{CD38D953-E846-244A-835A-192CE52710D4}" dt="2021-01-27T04:40:01.606" v="492" actId="478"/>
           <ac:spMkLst>
             <pc:docMk/>
             <pc:sldMk cId="1311126165" sldId="485"/>
             <ac:spMk id="12" creationId="{149FB3A4-124F-4FB3-9CA1-6EA45A21DCBC}"/>
           </ac:spMkLst>
         </pc:spChg>
-        <pc:spChg chg="mod">
-          <ac:chgData name="Zhao Jin" userId="cd05a825-544c-438a-9ba1-08e63db50b47" providerId="ADAL" clId="{CD38D953-E846-244A-835A-192CE52710D4}" dt="2021-01-25T03:16:24.406" v="157" actId="1036"/>
+        <pc:spChg chg="del mod">
+          <ac:chgData name="Zhao Jin" userId="cd05a825-544c-438a-9ba1-08e63db50b47" providerId="ADAL" clId="{CD38D953-E846-244A-835A-192CE52710D4}" dt="2021-01-27T04:40:01.606" v="492" actId="478"/>
           <ac:spMkLst>
             <pc:docMk/>
             <pc:sldMk cId="1311126165" sldId="485"/>
             <ac:spMk id="13" creationId="{24ED3F77-DB19-42FF-90A5-6260114FAC12}"/>
           </ac:spMkLst>
         </pc:spChg>
+        <pc:spChg chg="del">
+          <ac:chgData name="Zhao Jin" userId="cd05a825-544c-438a-9ba1-08e63db50b47" providerId="ADAL" clId="{CD38D953-E846-244A-835A-192CE52710D4}" dt="2021-01-27T04:40:01.606" v="492" actId="478"/>
+          <ac:spMkLst>
+            <pc:docMk/>
+            <pc:sldMk cId="1311126165" sldId="485"/>
+            <ac:spMk id="15" creationId="{F012405B-4106-42E1-B4DD-408829B80978}"/>
+          </ac:spMkLst>
+        </pc:spChg>
+        <pc:spChg chg="mod">
+          <ac:chgData name="Zhao Jin" userId="cd05a825-544c-438a-9ba1-08e63db50b47" providerId="ADAL" clId="{CD38D953-E846-244A-835A-192CE52710D4}" dt="2021-01-27T04:40:16.486" v="513"/>
+          <ac:spMkLst>
+            <pc:docMk/>
+            <pc:sldMk cId="1311126165" sldId="485"/>
+            <ac:spMk id="25602" creationId="{00000000-0000-0000-0000-000000000000}"/>
+          </ac:spMkLst>
+        </pc:spChg>
+      </pc:sldChg>
+      <pc:sldChg chg="add">
+        <pc:chgData name="Zhao Jin" userId="cd05a825-544c-438a-9ba1-08e63db50b47" providerId="ADAL" clId="{CD38D953-E846-244A-835A-192CE52710D4}" dt="2021-01-27T04:40:29.351" v="515"/>
+        <pc:sldMkLst>
+          <pc:docMk/>
+          <pc:sldMk cId="1419062778" sldId="485"/>
+        </pc:sldMkLst>
       </pc:sldChg>
       <pc:sldChg chg="modSp">
         <pc:chgData name="Zhao Jin" userId="cd05a825-544c-438a-9ba1-08e63db50b47" providerId="ADAL" clId="{CD38D953-E846-244A-835A-192CE52710D4}" dt="2021-01-25T03:08:51.440" v="84" actId="20577"/>
@@ -1356,7 +1387,7 @@
         </pc:picChg>
       </pc:sldChg>
       <pc:sldChg chg="addSp delSp modSp addAnim delAnim modAnim">
-        <pc:chgData name="Zhao Jin" userId="cd05a825-544c-438a-9ba1-08e63db50b47" providerId="ADAL" clId="{CD38D953-E846-244A-835A-192CE52710D4}" dt="2021-01-25T03:26:17.801" v="482" actId="20577"/>
+        <pc:chgData name="Zhao Jin" userId="cd05a825-544c-438a-9ba1-08e63db50b47" providerId="ADAL" clId="{CD38D953-E846-244A-835A-192CE52710D4}" dt="2021-01-27T04:31:07.941" v="484" actId="1076"/>
         <pc:sldMkLst>
           <pc:docMk/>
           <pc:sldMk cId="784668950" sldId="550"/>
@@ -1383,6 +1414,14 @@
             <pc:docMk/>
             <pc:sldMk cId="784668950" sldId="550"/>
             <ac:spMk id="10" creationId="{00000000-0000-0000-0000-000000000000}"/>
+          </ac:spMkLst>
+        </pc:spChg>
+        <pc:spChg chg="mod">
+          <ac:chgData name="Zhao Jin" userId="cd05a825-544c-438a-9ba1-08e63db50b47" providerId="ADAL" clId="{CD38D953-E846-244A-835A-192CE52710D4}" dt="2021-01-27T04:31:07.941" v="484" actId="1076"/>
+          <ac:spMkLst>
+            <pc:docMk/>
+            <pc:sldMk cId="784668950" sldId="550"/>
+            <ac:spMk id="13" creationId="{76AACBDB-EFE5-4782-AA9B-3760F5E7D3D7}"/>
           </ac:spMkLst>
         </pc:spChg>
       </pc:sldChg>
@@ -1936,7 +1975,7 @@
               <a:pPr>
                 <a:defRPr/>
               </a:pPr>
-              <a:t>1/25/2021</a:t>
+              <a:t>1/27/21</a:t>
             </a:fld>
             <a:endParaRPr lang="en-US" dirty="0"/>
           </a:p>
@@ -3188,7 +3227,7 @@
     </p:spTree>
     <p:extLst>
       <p:ext uri="{BB962C8B-B14F-4D97-AF65-F5344CB8AC3E}">
-        <p14:creationId xmlns:p14="http://schemas.microsoft.com/office/powerpoint/2010/main" val="1738361335"/>
+        <p14:creationId xmlns:p14="http://schemas.microsoft.com/office/powerpoint/2010/main" val="3835368164"/>
       </p:ext>
     </p:extLst>
   </p:cSld>
@@ -16160,7 +16199,7 @@
     </p:spTree>
     <p:extLst>
       <p:ext uri="{BB962C8B-B14F-4D97-AF65-F5344CB8AC3E}">
-        <p14:creationId xmlns:p14="http://schemas.microsoft.com/office/powerpoint/2010/main" val="1311126165"/>
+        <p14:creationId xmlns:p14="http://schemas.microsoft.com/office/powerpoint/2010/main" val="1419062778"/>
       </p:ext>
     </p:extLst>
   </p:cSld>
